--- a/aws_sra_examples/solutions/config/config_conformance_pack_org/documentation/config-conformance-pack-org.pptx
+++ b/aws_sra_examples/solutions/config/config_conformance_pack_org/documentation/config-conformance-pack-org.pptx
@@ -197,7 +197,7 @@
           <a:p>
             <a:fld id="{FD8D84E3-00BA-4A46-8256-7E527D8B4480}" type="datetimeFigureOut">
               <a:rPr lang="en-US" smtClean="0"/>
-              <a:t>11/16/21</a:t>
+              <a:t>3/7/22</a:t>
             </a:fld>
             <a:endParaRPr lang="en-US"/>
           </a:p>
@@ -695,7 +695,7 @@
           <a:p>
             <a:fld id="{9FE185F7-9B28-9F45-9F43-9CB5A0B99390}" type="datetimeFigureOut">
               <a:rPr lang="en-US" smtClean="0"/>
-              <a:t>11/16/21</a:t>
+              <a:t>3/7/22</a:t>
             </a:fld>
             <a:endParaRPr lang="en-US"/>
           </a:p>
@@ -893,7 +893,7 @@
           <a:p>
             <a:fld id="{9FE185F7-9B28-9F45-9F43-9CB5A0B99390}" type="datetimeFigureOut">
               <a:rPr lang="en-US" smtClean="0"/>
-              <a:t>11/16/21</a:t>
+              <a:t>3/7/22</a:t>
             </a:fld>
             <a:endParaRPr lang="en-US"/>
           </a:p>
@@ -1101,7 +1101,7 @@
           <a:p>
             <a:fld id="{9FE185F7-9B28-9F45-9F43-9CB5A0B99390}" type="datetimeFigureOut">
               <a:rPr lang="en-US" smtClean="0"/>
-              <a:t>11/16/21</a:t>
+              <a:t>3/7/22</a:t>
             </a:fld>
             <a:endParaRPr lang="en-US"/>
           </a:p>
@@ -1299,7 +1299,7 @@
           <a:p>
             <a:fld id="{9FE185F7-9B28-9F45-9F43-9CB5A0B99390}" type="datetimeFigureOut">
               <a:rPr lang="en-US" smtClean="0"/>
-              <a:t>11/16/21</a:t>
+              <a:t>3/7/22</a:t>
             </a:fld>
             <a:endParaRPr lang="en-US"/>
           </a:p>
@@ -1574,7 +1574,7 @@
           <a:p>
             <a:fld id="{9FE185F7-9B28-9F45-9F43-9CB5A0B99390}" type="datetimeFigureOut">
               <a:rPr lang="en-US" smtClean="0"/>
-              <a:t>11/16/21</a:t>
+              <a:t>3/7/22</a:t>
             </a:fld>
             <a:endParaRPr lang="en-US"/>
           </a:p>
@@ -1839,7 +1839,7 @@
           <a:p>
             <a:fld id="{9FE185F7-9B28-9F45-9F43-9CB5A0B99390}" type="datetimeFigureOut">
               <a:rPr lang="en-US" smtClean="0"/>
-              <a:t>11/16/21</a:t>
+              <a:t>3/7/22</a:t>
             </a:fld>
             <a:endParaRPr lang="en-US"/>
           </a:p>
@@ -2251,7 +2251,7 @@
           <a:p>
             <a:fld id="{9FE185F7-9B28-9F45-9F43-9CB5A0B99390}" type="datetimeFigureOut">
               <a:rPr lang="en-US" smtClean="0"/>
-              <a:t>11/16/21</a:t>
+              <a:t>3/7/22</a:t>
             </a:fld>
             <a:endParaRPr lang="en-US"/>
           </a:p>
@@ -2392,7 +2392,7 @@
           <a:p>
             <a:fld id="{9FE185F7-9B28-9F45-9F43-9CB5A0B99390}" type="datetimeFigureOut">
               <a:rPr lang="en-US" smtClean="0"/>
-              <a:t>11/16/21</a:t>
+              <a:t>3/7/22</a:t>
             </a:fld>
             <a:endParaRPr lang="en-US"/>
           </a:p>
@@ -2505,7 +2505,7 @@
           <a:p>
             <a:fld id="{9FE185F7-9B28-9F45-9F43-9CB5A0B99390}" type="datetimeFigureOut">
               <a:rPr lang="en-US" smtClean="0"/>
-              <a:t>11/16/21</a:t>
+              <a:t>3/7/22</a:t>
             </a:fld>
             <a:endParaRPr lang="en-US"/>
           </a:p>
@@ -2816,7 +2816,7 @@
           <a:p>
             <a:fld id="{9FE185F7-9B28-9F45-9F43-9CB5A0B99390}" type="datetimeFigureOut">
               <a:rPr lang="en-US" smtClean="0"/>
-              <a:t>11/16/21</a:t>
+              <a:t>3/7/22</a:t>
             </a:fld>
             <a:endParaRPr lang="en-US"/>
           </a:p>
@@ -3104,7 +3104,7 @@
           <a:p>
             <a:fld id="{9FE185F7-9B28-9F45-9F43-9CB5A0B99390}" type="datetimeFigureOut">
               <a:rPr lang="en-US" smtClean="0"/>
-              <a:t>11/16/21</a:t>
+              <a:t>3/7/22</a:t>
             </a:fld>
             <a:endParaRPr lang="en-US"/>
           </a:p>
@@ -3345,7 +3345,7 @@
           <a:p>
             <a:fld id="{9FE185F7-9B28-9F45-9F43-9CB5A0B99390}" type="datetimeFigureOut">
               <a:rPr lang="en-US" smtClean="0"/>
-              <a:t>11/16/21</a:t>
+              <a:t>3/7/22</a:t>
             </a:fld>
             <a:endParaRPr lang="en-US"/>
           </a:p>
@@ -3776,8 +3776,8 @@
         </p:nvSpPr>
         <p:spPr>
           <a:xfrm>
-            <a:off x="678234" y="245353"/>
-            <a:ext cx="10885251" cy="6502919"/>
+            <a:off x="2518468" y="552355"/>
+            <a:ext cx="7155064" cy="5753289"/>
           </a:xfrm>
           <a:prstGeom prst="rect">
             <a:avLst/>
@@ -3935,8 +3935,8 @@
         </p:nvSpPr>
         <p:spPr>
           <a:xfrm>
-            <a:off x="1933275" y="680603"/>
-            <a:ext cx="3721261" cy="2980052"/>
+            <a:off x="2710472" y="993579"/>
+            <a:ext cx="2506877" cy="2554197"/>
           </a:xfrm>
           <a:prstGeom prst="rect">
             <a:avLst/>
@@ -3976,7 +3976,7 @@
           <a:p>
             <a:pPr algn="ctr"/>
             <a:r>
-              <a:rPr lang="en-US" sz="1400" dirty="0">
+              <a:rPr lang="en-US" sz="1200" dirty="0">
                 <a:solidFill>
                   <a:schemeClr val="tx1"/>
                 </a:solidFill>
@@ -3986,19 +3986,6 @@
               <a:t>Organization Management Account</a:t>
             </a:r>
           </a:p>
-          <a:p>
-            <a:pPr algn="ctr"/>
-            <a:r>
-              <a:rPr lang="en-US" sz="1400" dirty="0">
-                <a:solidFill>
-                  <a:schemeClr val="tx1"/>
-                </a:solidFill>
-                <a:latin typeface="Arial" panose="020B0604020202020204" pitchFamily="34" charset="0"/>
-                <a:cs typeface="Arial" panose="020B0604020202020204" pitchFamily="34" charset="0"/>
-              </a:rPr>
-              <a:t>OU: management</a:t>
-            </a:r>
-          </a:p>
         </p:txBody>
       </p:sp>
       <p:pic>
@@ -4029,7 +4016,7 @@
         </p:blipFill>
         <p:spPr>
           <a:xfrm>
-            <a:off x="678234" y="245353"/>
+            <a:off x="2518468" y="552355"/>
             <a:ext cx="330200" cy="330200"/>
           </a:xfrm>
           <a:prstGeom prst="rect">
@@ -4051,8 +4038,8 @@
         </p:nvSpPr>
         <p:spPr>
           <a:xfrm>
-            <a:off x="859460" y="3735711"/>
-            <a:ext cx="5805514" cy="2876935"/>
+            <a:off x="2956113" y="3628724"/>
+            <a:ext cx="3265572" cy="2554198"/>
           </a:xfrm>
           <a:prstGeom prst="rect">
             <a:avLst/>
@@ -4092,7 +4079,7 @@
           <a:p>
             <a:pPr algn="ctr"/>
             <a:r>
-              <a:rPr lang="en-US" sz="1400" dirty="0">
+              <a:rPr lang="en-US" sz="1200" dirty="0">
                 <a:solidFill>
                   <a:schemeClr val="tx1"/>
                 </a:solidFill>
@@ -4105,14 +4092,14 @@
           <a:p>
             <a:pPr algn="ctr"/>
             <a:r>
-              <a:rPr lang="en-US" sz="1400" dirty="0">
+              <a:rPr lang="en-US" sz="1100" dirty="0">
                 <a:solidFill>
                   <a:schemeClr val="tx1"/>
                 </a:solidFill>
                 <a:latin typeface="Arial" panose="020B0604020202020204" pitchFamily="34" charset="0"/>
                 <a:cs typeface="Arial" panose="020B0604020202020204" pitchFamily="34" charset="0"/>
               </a:rPr>
-              <a:t>OU: Core</a:t>
+              <a:t>OU: Security</a:t>
             </a:r>
           </a:p>
         </p:txBody>
@@ -4131,8 +4118,8 @@
         </p:nvSpPr>
         <p:spPr>
           <a:xfrm>
-            <a:off x="6777502" y="3735711"/>
-            <a:ext cx="4611767" cy="2884395"/>
+            <a:off x="6321598" y="3628724"/>
+            <a:ext cx="2831524" cy="2554198"/>
           </a:xfrm>
           <a:prstGeom prst="rect">
             <a:avLst/>
@@ -4172,7 +4159,7 @@
           <a:p>
             <a:pPr algn="ctr"/>
             <a:r>
-              <a:rPr lang="en-US" sz="1400" dirty="0">
+              <a:rPr lang="en-US" sz="1200" dirty="0">
                 <a:solidFill>
                   <a:schemeClr val="tx1"/>
                 </a:solidFill>
@@ -4185,7 +4172,7 @@
           <a:p>
             <a:pPr algn="ctr"/>
             <a:r>
-              <a:rPr lang="en-US" sz="1400" dirty="0">
+              <a:rPr lang="en-US" sz="1200" dirty="0">
                 <a:solidFill>
                   <a:schemeClr val="tx1"/>
                 </a:solidFill>
@@ -4211,8 +4198,8 @@
         </p:nvSpPr>
         <p:spPr>
           <a:xfrm>
-            <a:off x="1978987" y="2384108"/>
-            <a:ext cx="1307240" cy="430887"/>
+            <a:off x="2765733" y="2822036"/>
+            <a:ext cx="1275218" cy="430887"/>
           </a:xfrm>
           <a:prstGeom prst="rect">
             <a:avLst/>
@@ -4264,8 +4251,8 @@
         </p:blipFill>
         <p:spPr>
           <a:xfrm>
-            <a:off x="2355029" y="1795714"/>
-            <a:ext cx="555156" cy="555156"/>
+            <a:off x="3152861" y="2371748"/>
+            <a:ext cx="457200" cy="457200"/>
           </a:xfrm>
           <a:prstGeom prst="rect">
             <a:avLst/>
@@ -4286,8 +4273,8 @@
         </p:nvSpPr>
         <p:spPr>
           <a:xfrm>
-            <a:off x="3622562" y="1497686"/>
-            <a:ext cx="1658301" cy="1691440"/>
+            <a:off x="2814044" y="1515317"/>
+            <a:ext cx="2284892" cy="1918305"/>
           </a:xfrm>
           <a:prstGeom prst="rect">
             <a:avLst/>
@@ -4317,7 +4304,7 @@
           </a:fontRef>
         </p:style>
         <p:txBody>
-          <a:bodyPr rot="0" spcFirstLastPara="0" vertOverflow="overflow" horzOverflow="overflow" vert="horz" wrap="square" lIns="91440" tIns="91440" rIns="91440" bIns="45720" numCol="1" spcCol="0" rtlCol="0" fromWordArt="0" anchor="t" anchorCtr="0" forceAA="0" compatLnSpc="1">
+          <a:bodyPr rot="0" spcFirstLastPara="0" vertOverflow="overflow" horzOverflow="overflow" vert="horz" wrap="square" lIns="91440" tIns="0" rIns="91440" bIns="45720" numCol="1" spcCol="0" rtlCol="0" fromWordArt="0" anchor="t" anchorCtr="0" forceAA="0" compatLnSpc="1">
             <a:prstTxWarp prst="textNoShape">
               <a:avLst/>
             </a:prstTxWarp>
@@ -4325,107 +4312,19 @@
           </a:bodyPr>
           <a:lstStyle/>
           <a:p>
-            <a:pPr algn="ctr"/>
-            <a:endParaRPr lang="en-US" sz="1400" dirty="0">
-              <a:solidFill>
-                <a:srgbClr val="5A6B86"/>
-              </a:solidFill>
-              <a:latin typeface="Arial" panose="020B0604020202020204" pitchFamily="34" charset="0"/>
-              <a:cs typeface="Arial" panose="020B0604020202020204" pitchFamily="34" charset="0"/>
-            </a:endParaRPr>
-          </a:p>
-        </p:txBody>
-      </p:sp>
-      <p:cxnSp>
-        <p:nvCxnSpPr>
-          <p:cNvPr id="154" name="Straight Arrow Connector 153">
-            <a:extLst>
-              <a:ext uri="{FF2B5EF4-FFF2-40B4-BE49-F238E27FC236}">
-                <a16:creationId xmlns:a16="http://schemas.microsoft.com/office/drawing/2014/main" id="{0FBB0361-D6B4-2F47-A0BE-F9DF0B40739C}"/>
-              </a:ext>
-            </a:extLst>
-          </p:cNvPr>
-          <p:cNvCxnSpPr>
-            <a:cxnSpLocks/>
-          </p:cNvCxnSpPr>
-          <p:nvPr/>
-        </p:nvCxnSpPr>
-        <p:spPr>
-          <a:xfrm>
-            <a:off x="3065766" y="2080561"/>
-            <a:ext cx="486285" cy="0"/>
-          </a:xfrm>
-          <a:prstGeom prst="straightConnector1">
-            <a:avLst/>
-          </a:prstGeom>
-          <a:ln w="12700">
-            <a:solidFill>
-              <a:srgbClr val="545B64"/>
-            </a:solidFill>
-            <a:headEnd type="none" w="med" len="sm"/>
-            <a:tailEnd type="arrow" w="med" len="sm"/>
-          </a:ln>
-        </p:spPr>
-        <p:style>
-          <a:lnRef idx="1">
-            <a:schemeClr val="accent1"/>
-          </a:lnRef>
-          <a:fillRef idx="0">
-            <a:schemeClr val="accent1"/>
-          </a:fillRef>
-          <a:effectRef idx="0">
-            <a:schemeClr val="accent1"/>
-          </a:effectRef>
-          <a:fontRef idx="minor">
-            <a:schemeClr val="tx1"/>
-          </a:fontRef>
-        </p:style>
-      </p:cxnSp>
-      <p:cxnSp>
-        <p:nvCxnSpPr>
-          <p:cNvPr id="191" name="Straight Arrow Connector 190">
-            <a:extLst>
-              <a:ext uri="{FF2B5EF4-FFF2-40B4-BE49-F238E27FC236}">
-                <a16:creationId xmlns:a16="http://schemas.microsoft.com/office/drawing/2014/main" id="{AF4082C7-DBC3-0E4A-B095-B93028B36A86}"/>
-              </a:ext>
-            </a:extLst>
-          </p:cNvPr>
-          <p:cNvCxnSpPr>
-            <a:cxnSpLocks/>
-          </p:cNvCxnSpPr>
-          <p:nvPr/>
-        </p:nvCxnSpPr>
-        <p:spPr>
-          <a:xfrm>
-            <a:off x="3653490" y="5730140"/>
-            <a:ext cx="1356762" cy="0"/>
-          </a:xfrm>
-          <a:prstGeom prst="straightConnector1">
-            <a:avLst/>
-          </a:prstGeom>
-          <a:ln w="12700">
-            <a:solidFill>
-              <a:srgbClr val="545B64"/>
-            </a:solidFill>
-            <a:headEnd type="arrow" w="med" len="sm"/>
-            <a:tailEnd type="none" w="med" len="sm"/>
-          </a:ln>
-        </p:spPr>
-        <p:style>
-          <a:lnRef idx="1">
-            <a:schemeClr val="accent1"/>
-          </a:lnRef>
-          <a:fillRef idx="0">
-            <a:schemeClr val="accent1"/>
-          </a:fillRef>
-          <a:effectRef idx="0">
-            <a:schemeClr val="accent1"/>
-          </a:effectRef>
-          <a:fontRef idx="minor">
-            <a:schemeClr val="tx1"/>
-          </a:fontRef>
-        </p:style>
-      </p:cxnSp>
+            <a:r>
+              <a:rPr lang="en-US" sz="1100" b="1" dirty="0">
+                <a:solidFill>
+                  <a:schemeClr val="tx1"/>
+                </a:solidFill>
+                <a:latin typeface="Arial" panose="020B0604020202020204" pitchFamily="34" charset="0"/>
+                <a:cs typeface="Arial" panose="020B0604020202020204" pitchFamily="34" charset="0"/>
+              </a:rPr>
+              <a:t>Home-region</a:t>
+            </a:r>
+          </a:p>
+        </p:txBody>
+      </p:sp>
       <p:sp>
         <p:nvSpPr>
           <p:cNvPr id="193" name="TextBox 192">
@@ -4440,8 +4339,8 @@
         </p:nvSpPr>
         <p:spPr>
           <a:xfrm>
-            <a:off x="910371" y="5336973"/>
-            <a:ext cx="1307240" cy="430887"/>
+            <a:off x="3033593" y="5541014"/>
+            <a:ext cx="1218809" cy="430887"/>
           </a:xfrm>
           <a:prstGeom prst="rect">
             <a:avLst/>
@@ -4493,8 +4392,8 @@
         </p:blipFill>
         <p:spPr>
           <a:xfrm>
-            <a:off x="1286413" y="4748579"/>
-            <a:ext cx="555156" cy="555156"/>
+            <a:off x="3414081" y="5091580"/>
+            <a:ext cx="457200" cy="457200"/>
           </a:xfrm>
           <a:prstGeom prst="rect">
             <a:avLst/>
@@ -4515,8 +4414,8 @@
         </p:nvSpPr>
         <p:spPr>
           <a:xfrm>
-            <a:off x="2541465" y="4332170"/>
-            <a:ext cx="3928710" cy="2217066"/>
+            <a:off x="3049550" y="4123947"/>
+            <a:ext cx="3055437" cy="1933534"/>
           </a:xfrm>
           <a:prstGeom prst="rect">
             <a:avLst/>
@@ -4546,7 +4445,7 @@
           </a:fontRef>
         </p:style>
         <p:txBody>
-          <a:bodyPr rot="0" spcFirstLastPara="0" vertOverflow="overflow" horzOverflow="overflow" vert="horz" wrap="square" lIns="91440" tIns="91440" rIns="91440" bIns="45720" numCol="1" spcCol="0" rtlCol="0" fromWordArt="0" anchor="t" anchorCtr="0" forceAA="0" compatLnSpc="1">
+          <a:bodyPr rot="0" spcFirstLastPara="0" vertOverflow="overflow" horzOverflow="overflow" vert="horz" wrap="square" lIns="91440" tIns="0" rIns="91440" bIns="45720" numCol="1" spcCol="0" rtlCol="0" fromWordArt="0" anchor="t" anchorCtr="0" forceAA="0" compatLnSpc="1">
             <a:prstTxWarp prst="textNoShape">
               <a:avLst/>
             </a:prstTxWarp>
@@ -4554,88 +4453,46 @@
           </a:bodyPr>
           <a:lstStyle/>
           <a:p>
-            <a:pPr algn="ctr"/>
-            <a:endParaRPr lang="en-US" sz="1400" dirty="0">
-              <a:solidFill>
-                <a:srgbClr val="5A6B86"/>
-              </a:solidFill>
-              <a:latin typeface="Arial" panose="020B0604020202020204" pitchFamily="34" charset="0"/>
-              <a:cs typeface="Arial" panose="020B0604020202020204" pitchFamily="34" charset="0"/>
-            </a:endParaRPr>
-          </a:p>
-        </p:txBody>
-      </p:sp>
-      <p:cxnSp>
-        <p:nvCxnSpPr>
-          <p:cNvPr id="196" name="Straight Arrow Connector 195">
-            <a:extLst>
-              <a:ext uri="{FF2B5EF4-FFF2-40B4-BE49-F238E27FC236}">
-                <a16:creationId xmlns:a16="http://schemas.microsoft.com/office/drawing/2014/main" id="{608E574B-049F-DD43-AF4F-C396CC8C7873}"/>
-              </a:ext>
-            </a:extLst>
-          </p:cNvPr>
-          <p:cNvCxnSpPr>
-            <a:cxnSpLocks/>
-          </p:cNvCxnSpPr>
+            <a:r>
+              <a:rPr lang="en-US" sz="1100" b="1" dirty="0">
+                <a:solidFill>
+                  <a:schemeClr val="tx1"/>
+                </a:solidFill>
+                <a:latin typeface="Arial" panose="020B0604020202020204" pitchFamily="34" charset="0"/>
+                <a:cs typeface="Arial" panose="020B0604020202020204" pitchFamily="34" charset="0"/>
+              </a:rPr>
+              <a:t>Home-region</a:t>
+            </a:r>
+          </a:p>
+        </p:txBody>
+      </p:sp>
+      <p:sp>
+        <p:nvSpPr>
+          <p:cNvPr id="226" name="Oval 225">
+            <a:extLst>
+              <a:ext uri="{FF2B5EF4-FFF2-40B4-BE49-F238E27FC236}">
+                <a16:creationId xmlns:a16="http://schemas.microsoft.com/office/drawing/2014/main" id="{B075B0CF-8F6A-3947-BD02-50EB6DA85CEE}"/>
+              </a:ext>
+            </a:extLst>
+          </p:cNvPr>
+          <p:cNvSpPr/>
           <p:nvPr/>
-        </p:nvCxnSpPr>
-        <p:spPr>
-          <a:xfrm>
-            <a:off x="1997150" y="5033426"/>
-            <a:ext cx="486285" cy="0"/>
-          </a:xfrm>
-          <a:prstGeom prst="straightConnector1">
+        </p:nvSpPr>
+        <p:spPr>
+          <a:xfrm>
+            <a:off x="2735719" y="1014311"/>
+            <a:ext cx="253435" cy="212902"/>
+          </a:xfrm>
+          <a:prstGeom prst="ellipse">
             <a:avLst/>
           </a:prstGeom>
-          <a:ln w="12700">
-            <a:solidFill>
-              <a:srgbClr val="545B64"/>
-            </a:solidFill>
-            <a:headEnd type="none" w="med" len="sm"/>
-            <a:tailEnd type="arrow" w="med" len="sm"/>
-          </a:ln>
-        </p:spPr>
-        <p:style>
-          <a:lnRef idx="1">
-            <a:schemeClr val="accent1"/>
-          </a:lnRef>
-          <a:fillRef idx="0">
-            <a:schemeClr val="accent1"/>
-          </a:fillRef>
-          <a:effectRef idx="0">
-            <a:schemeClr val="accent1"/>
-          </a:effectRef>
-          <a:fontRef idx="minor">
+          <a:solidFill>
             <a:schemeClr val="tx1"/>
-          </a:fontRef>
-        </p:style>
-      </p:cxnSp>
-      <p:sp>
-        <p:nvSpPr>
-          <p:cNvPr id="214" name="Rectangle 213">
-            <a:extLst>
-              <a:ext uri="{FF2B5EF4-FFF2-40B4-BE49-F238E27FC236}">
-                <a16:creationId xmlns:a16="http://schemas.microsoft.com/office/drawing/2014/main" id="{06761242-ECE5-1642-8F32-8372B25D2776}"/>
-              </a:ext>
-            </a:extLst>
-          </p:cNvPr>
-          <p:cNvSpPr/>
-          <p:nvPr/>
-        </p:nvSpPr>
-        <p:spPr>
-          <a:xfrm>
-            <a:off x="4573439" y="4488385"/>
-            <a:ext cx="1667406" cy="1950249"/>
-          </a:xfrm>
-          <a:prstGeom prst="rect">
-            <a:avLst/>
-          </a:prstGeom>
-          <a:noFill/>
-          <a:ln w="12700">
+          </a:solidFill>
+          <a:ln>
             <a:solidFill>
               <a:schemeClr val="tx1"/>
             </a:solidFill>
-            <a:prstDash val="dash"/>
           </a:ln>
         </p:spPr>
         <p:style>
@@ -4655,89 +4512,47 @@
           </a:fontRef>
         </p:style>
         <p:txBody>
-          <a:bodyPr rot="0" spcFirstLastPara="0" vertOverflow="overflow" horzOverflow="overflow" vert="horz" wrap="square" lIns="91440" tIns="91440" rIns="91440" bIns="45720" numCol="1" spcCol="0" rtlCol="0" fromWordArt="0" anchor="t" anchorCtr="0" forceAA="0" compatLnSpc="1">
-            <a:noAutofit/>
-          </a:bodyPr>
-          <a:lstStyle/>
-          <a:p>
-            <a:r>
-              <a:rPr lang="en-US" sz="1100" dirty="0">
-                <a:solidFill>
-                  <a:schemeClr val="tx1"/>
-                </a:solidFill>
+          <a:bodyPr lIns="0" tIns="0" rIns="0" bIns="0" rtlCol="0" anchor="ctr"/>
+          <a:lstStyle/>
+          <a:p>
+            <a:pPr algn="ctr"/>
+            <a:r>
+              <a:rPr lang="en-US" sz="800" dirty="0">
                 <a:latin typeface="Arial" panose="020B0604020202020204" pitchFamily="34" charset="0"/>
                 <a:cs typeface="Arial" panose="020B0604020202020204" pitchFamily="34" charset="0"/>
               </a:rPr>
-              <a:t>region-1</a:t>
-            </a:r>
-          </a:p>
-        </p:txBody>
-      </p:sp>
-      <p:sp>
-        <p:nvSpPr>
-          <p:cNvPr id="216" name="TextBox 215">
-            <a:extLst>
-              <a:ext uri="{FF2B5EF4-FFF2-40B4-BE49-F238E27FC236}">
-                <a16:creationId xmlns:a16="http://schemas.microsoft.com/office/drawing/2014/main" id="{B50B9B08-BBED-7E45-8B7F-DD8CE43DA833}"/>
-              </a:ext>
-            </a:extLst>
-          </p:cNvPr>
-          <p:cNvSpPr txBox="1"/>
+              <a:t>1.0</a:t>
+            </a:r>
+          </a:p>
+        </p:txBody>
+      </p:sp>
+      <p:sp>
+        <p:nvSpPr>
+          <p:cNvPr id="227" name="Oval 226">
+            <a:extLst>
+              <a:ext uri="{FF2B5EF4-FFF2-40B4-BE49-F238E27FC236}">
+                <a16:creationId xmlns:a16="http://schemas.microsoft.com/office/drawing/2014/main" id="{F0D1735B-0005-B145-8C48-3E3934A1D64E}"/>
+              </a:ext>
+            </a:extLst>
+          </p:cNvPr>
+          <p:cNvSpPr/>
           <p:nvPr/>
         </p:nvSpPr>
         <p:spPr>
           <a:xfrm>
-            <a:off x="4855817" y="5931850"/>
-            <a:ext cx="1378735" cy="430887"/>
-          </a:xfrm>
-          <a:prstGeom prst="rect">
+            <a:off x="3153517" y="2378453"/>
+            <a:ext cx="253435" cy="212902"/>
+          </a:xfrm>
+          <a:prstGeom prst="ellipse">
             <a:avLst/>
           </a:prstGeom>
-          <a:noFill/>
-        </p:spPr>
-        <p:txBody>
-          <a:bodyPr wrap="square" rtlCol="0">
-            <a:spAutoFit/>
-          </a:bodyPr>
-          <a:lstStyle/>
-          <a:p>
-            <a:pPr algn="ctr"/>
-            <a:r>
-              <a:rPr lang="en-US" sz="1100" dirty="0">
-                <a:latin typeface="Arial" panose="020B0604020202020204" pitchFamily="34" charset="0"/>
-                <a:cs typeface="Arial" panose="020B0604020202020204" pitchFamily="34" charset="0"/>
-              </a:rPr>
-              <a:t>Organization Conformance Pack</a:t>
-            </a:r>
-          </a:p>
-        </p:txBody>
-      </p:sp>
-      <p:sp>
-        <p:nvSpPr>
-          <p:cNvPr id="217" name="Rectangle 216">
-            <a:extLst>
-              <a:ext uri="{FF2B5EF4-FFF2-40B4-BE49-F238E27FC236}">
-                <a16:creationId xmlns:a16="http://schemas.microsoft.com/office/drawing/2014/main" id="{F2669857-055F-9249-BD81-EA41A2C36BC1}"/>
-              </a:ext>
-            </a:extLst>
-          </p:cNvPr>
-          <p:cNvSpPr/>
-          <p:nvPr/>
-        </p:nvSpPr>
-        <p:spPr>
-          <a:xfrm>
-            <a:off x="4725839" y="4794054"/>
-            <a:ext cx="1515006" cy="1644580"/>
-          </a:xfrm>
-          <a:prstGeom prst="rect">
-            <a:avLst/>
-          </a:prstGeom>
-          <a:noFill/>
-          <a:ln w="12700">
+          <a:solidFill>
+            <a:schemeClr val="tx1"/>
+          </a:solidFill>
+          <a:ln>
             <a:solidFill>
               <a:schemeClr val="tx1"/>
             </a:solidFill>
-            <a:prstDash val="dash"/>
           </a:ln>
         </p:spPr>
         <p:style>
@@ -4757,30 +4572,26 @@
           </a:fontRef>
         </p:style>
         <p:txBody>
-          <a:bodyPr rot="0" spcFirstLastPara="0" vertOverflow="overflow" horzOverflow="overflow" vert="horz" wrap="square" lIns="91440" tIns="91440" rIns="91440" bIns="45720" numCol="1" spcCol="0" rtlCol="0" fromWordArt="0" anchor="t" anchorCtr="0" forceAA="0" compatLnSpc="1">
-            <a:noAutofit/>
-          </a:bodyPr>
-          <a:lstStyle/>
-          <a:p>
-            <a:r>
-              <a:rPr lang="en-US" sz="1100" dirty="0">
-                <a:solidFill>
-                  <a:schemeClr val="tx1"/>
-                </a:solidFill>
+          <a:bodyPr lIns="0" tIns="0" rIns="0" bIns="0" rtlCol="0" anchor="ctr"/>
+          <a:lstStyle/>
+          <a:p>
+            <a:pPr algn="ctr"/>
+            <a:r>
+              <a:rPr lang="en-US" sz="800" dirty="0">
                 <a:latin typeface="Arial" panose="020B0604020202020204" pitchFamily="34" charset="0"/>
                 <a:cs typeface="Arial" panose="020B0604020202020204" pitchFamily="34" charset="0"/>
               </a:rPr>
-              <a:t>region-2</a:t>
-            </a:r>
-          </a:p>
-        </p:txBody>
-      </p:sp>
-      <p:sp>
-        <p:nvSpPr>
-          <p:cNvPr id="218" name="Rectangle 217">
-            <a:extLst>
-              <a:ext uri="{FF2B5EF4-FFF2-40B4-BE49-F238E27FC236}">
-                <a16:creationId xmlns:a16="http://schemas.microsoft.com/office/drawing/2014/main" id="{AF6BC02D-93DE-2346-BBA6-FF8509345613}"/>
+              <a:t>1.1</a:t>
+            </a:r>
+          </a:p>
+        </p:txBody>
+      </p:sp>
+      <p:sp>
+        <p:nvSpPr>
+          <p:cNvPr id="232" name="Oval 231">
+            <a:extLst>
+              <a:ext uri="{FF2B5EF4-FFF2-40B4-BE49-F238E27FC236}">
+                <a16:creationId xmlns:a16="http://schemas.microsoft.com/office/drawing/2014/main" id="{9BABBBA8-4173-384F-B7CD-669D9E9EFCCE}"/>
               </a:ext>
             </a:extLst>
           </p:cNvPr>
@@ -4789,18 +4600,19 @@
         </p:nvSpPr>
         <p:spPr>
           <a:xfrm>
-            <a:off x="4862109" y="5108104"/>
-            <a:ext cx="1378736" cy="1330530"/>
-          </a:xfrm>
-          <a:prstGeom prst="rect">
+            <a:off x="2983703" y="3655972"/>
+            <a:ext cx="253435" cy="212902"/>
+          </a:xfrm>
+          <a:prstGeom prst="ellipse">
             <a:avLst/>
           </a:prstGeom>
-          <a:noFill/>
-          <a:ln w="12700">
+          <a:solidFill>
+            <a:schemeClr val="tx1"/>
+          </a:solidFill>
+          <a:ln>
             <a:solidFill>
               <a:schemeClr val="tx1"/>
             </a:solidFill>
-            <a:prstDash val="dash"/>
           </a:ln>
         </p:spPr>
         <p:style>
@@ -4820,30 +4632,26 @@
           </a:fontRef>
         </p:style>
         <p:txBody>
-          <a:bodyPr rot="0" spcFirstLastPara="0" vertOverflow="overflow" horzOverflow="overflow" vert="horz" wrap="square" lIns="91440" tIns="91440" rIns="91440" bIns="45720" numCol="1" spcCol="0" rtlCol="0" fromWordArt="0" anchor="t" anchorCtr="0" forceAA="0" compatLnSpc="1">
-            <a:noAutofit/>
-          </a:bodyPr>
-          <a:lstStyle/>
-          <a:p>
-            <a:r>
-              <a:rPr lang="en-US" sz="1100" dirty="0">
-                <a:solidFill>
-                  <a:schemeClr val="tx1"/>
-                </a:solidFill>
+          <a:bodyPr lIns="0" tIns="0" rIns="0" bIns="0" rtlCol="0" anchor="ctr"/>
+          <a:lstStyle/>
+          <a:p>
+            <a:pPr algn="ctr"/>
+            <a:r>
+              <a:rPr lang="en-US" sz="800" dirty="0">
                 <a:latin typeface="Arial" panose="020B0604020202020204" pitchFamily="34" charset="0"/>
                 <a:cs typeface="Arial" panose="020B0604020202020204" pitchFamily="34" charset="0"/>
               </a:rPr>
-              <a:t>region-n</a:t>
-            </a:r>
-          </a:p>
-        </p:txBody>
-      </p:sp>
-      <p:sp>
-        <p:nvSpPr>
-          <p:cNvPr id="226" name="Oval 225">
-            <a:extLst>
-              <a:ext uri="{FF2B5EF4-FFF2-40B4-BE49-F238E27FC236}">
-                <a16:creationId xmlns:a16="http://schemas.microsoft.com/office/drawing/2014/main" id="{B075B0CF-8F6A-3947-BD02-50EB6DA85CEE}"/>
+              <a:t>3.0</a:t>
+            </a:r>
+          </a:p>
+        </p:txBody>
+      </p:sp>
+      <p:sp>
+        <p:nvSpPr>
+          <p:cNvPr id="233" name="Oval 232">
+            <a:extLst>
+              <a:ext uri="{FF2B5EF4-FFF2-40B4-BE49-F238E27FC236}">
+                <a16:creationId xmlns:a16="http://schemas.microsoft.com/office/drawing/2014/main" id="{4E5E3A8F-6978-7E4A-B538-0774C0EF83DA}"/>
               </a:ext>
             </a:extLst>
           </p:cNvPr>
@@ -4852,7 +4660,7 @@
         </p:nvSpPr>
         <p:spPr>
           <a:xfrm>
-            <a:off x="1958523" y="701335"/>
+            <a:off x="6346562" y="3655972"/>
             <a:ext cx="253435" cy="212902"/>
           </a:xfrm>
           <a:prstGeom prst="ellipse">
@@ -4893,17 +4701,17 @@
                 <a:latin typeface="Arial" panose="020B0604020202020204" pitchFamily="34" charset="0"/>
                 <a:cs typeface="Arial" panose="020B0604020202020204" pitchFamily="34" charset="0"/>
               </a:rPr>
-              <a:t>1.0</a:t>
-            </a:r>
-          </a:p>
-        </p:txBody>
-      </p:sp>
-      <p:sp>
-        <p:nvSpPr>
-          <p:cNvPr id="227" name="Oval 226">
-            <a:extLst>
-              <a:ext uri="{FF2B5EF4-FFF2-40B4-BE49-F238E27FC236}">
-                <a16:creationId xmlns:a16="http://schemas.microsoft.com/office/drawing/2014/main" id="{F0D1735B-0005-B145-8C48-3E3934A1D64E}"/>
+              <a:t>4.0</a:t>
+            </a:r>
+          </a:p>
+        </p:txBody>
+      </p:sp>
+      <p:sp>
+        <p:nvSpPr>
+          <p:cNvPr id="237" name="Oval 236">
+            <a:extLst>
+              <a:ext uri="{FF2B5EF4-FFF2-40B4-BE49-F238E27FC236}">
+                <a16:creationId xmlns:a16="http://schemas.microsoft.com/office/drawing/2014/main" id="{6BA035C0-F86D-6346-86AE-2BA9D3B2E833}"/>
               </a:ext>
             </a:extLst>
           </p:cNvPr>
@@ -4912,7 +4720,7 @@
         </p:nvSpPr>
         <p:spPr>
           <a:xfrm>
-            <a:off x="2355685" y="1802419"/>
+            <a:off x="3429307" y="5098451"/>
             <a:ext cx="253435" cy="212902"/>
           </a:xfrm>
           <a:prstGeom prst="ellipse">
@@ -4953,17 +4761,17 @@
                 <a:latin typeface="Arial" panose="020B0604020202020204" pitchFamily="34" charset="0"/>
                 <a:cs typeface="Arial" panose="020B0604020202020204" pitchFamily="34" charset="0"/>
               </a:rPr>
-              <a:t>1.1</a:t>
-            </a:r>
-          </a:p>
-        </p:txBody>
-      </p:sp>
-      <p:sp>
-        <p:nvSpPr>
-          <p:cNvPr id="232" name="Oval 231">
-            <a:extLst>
-              <a:ext uri="{FF2B5EF4-FFF2-40B4-BE49-F238E27FC236}">
-                <a16:creationId xmlns:a16="http://schemas.microsoft.com/office/drawing/2014/main" id="{9BABBBA8-4173-384F-B7CD-669D9E9EFCCE}"/>
+              <a:t>3.1</a:t>
+            </a:r>
+          </a:p>
+        </p:txBody>
+      </p:sp>
+      <p:sp>
+        <p:nvSpPr>
+          <p:cNvPr id="58" name="Rectangle 57">
+            <a:extLst>
+              <a:ext uri="{FF2B5EF4-FFF2-40B4-BE49-F238E27FC236}">
+                <a16:creationId xmlns:a16="http://schemas.microsoft.com/office/drawing/2014/main" id="{135A5B4C-8864-0D4C-B02D-2934ADE31255}"/>
               </a:ext>
             </a:extLst>
           </p:cNvPr>
@@ -4972,19 +4780,18 @@
         </p:nvSpPr>
         <p:spPr>
           <a:xfrm>
-            <a:off x="877426" y="3762960"/>
-            <a:ext cx="253435" cy="212902"/>
-          </a:xfrm>
-          <a:prstGeom prst="ellipse">
+            <a:off x="5320920" y="993579"/>
+            <a:ext cx="4227351" cy="2554197"/>
+          </a:xfrm>
+          <a:prstGeom prst="rect">
             <a:avLst/>
           </a:prstGeom>
-          <a:solidFill>
-            <a:schemeClr val="tx1"/>
-          </a:solidFill>
-          <a:ln>
+          <a:noFill/>
+          <a:ln w="12700">
             <a:solidFill>
               <a:schemeClr val="tx1"/>
             </a:solidFill>
+            <a:prstDash val="solid"/>
           </a:ln>
         </p:spPr>
         <p:style>
@@ -5004,26 +4811,47 @@
           </a:fontRef>
         </p:style>
         <p:txBody>
-          <a:bodyPr lIns="0" tIns="0" rIns="0" bIns="0" rtlCol="0" anchor="ctr"/>
+          <a:bodyPr rot="0" spcFirstLastPara="0" vertOverflow="overflow" horzOverflow="overflow" vert="horz" wrap="square" lIns="91440" tIns="91440" rIns="91440" bIns="45720" numCol="1" spcCol="0" rtlCol="0" fromWordArt="0" anchor="t" anchorCtr="0" forceAA="0" compatLnSpc="1">
+            <a:prstTxWarp prst="textNoShape">
+              <a:avLst/>
+            </a:prstTxWarp>
+            <a:noAutofit/>
+          </a:bodyPr>
           <a:lstStyle/>
           <a:p>
             <a:pPr algn="ctr"/>
             <a:r>
-              <a:rPr lang="en-US" sz="800" dirty="0">
+              <a:rPr lang="en-US" sz="1200" dirty="0">
+                <a:solidFill>
+                  <a:schemeClr val="tx1"/>
+                </a:solidFill>
                 <a:latin typeface="Arial" panose="020B0604020202020204" pitchFamily="34" charset="0"/>
                 <a:cs typeface="Arial" panose="020B0604020202020204" pitchFamily="34" charset="0"/>
               </a:rPr>
-              <a:t>3.0</a:t>
-            </a:r>
-          </a:p>
-        </p:txBody>
-      </p:sp>
-      <p:sp>
-        <p:nvSpPr>
-          <p:cNvPr id="233" name="Oval 232">
-            <a:extLst>
-              <a:ext uri="{FF2B5EF4-FFF2-40B4-BE49-F238E27FC236}">
-                <a16:creationId xmlns:a16="http://schemas.microsoft.com/office/drawing/2014/main" id="{4E5E3A8F-6978-7E4A-B538-0774C0EF83DA}"/>
+              <a:t>Log Archive Account</a:t>
+            </a:r>
+          </a:p>
+          <a:p>
+            <a:pPr algn="ctr"/>
+            <a:r>
+              <a:rPr lang="en-US" sz="1100" dirty="0">
+                <a:solidFill>
+                  <a:schemeClr val="tx1"/>
+                </a:solidFill>
+                <a:latin typeface="Arial" panose="020B0604020202020204" pitchFamily="34" charset="0"/>
+                <a:cs typeface="Arial" panose="020B0604020202020204" pitchFamily="34" charset="0"/>
+              </a:rPr>
+              <a:t>OU: Security</a:t>
+            </a:r>
+          </a:p>
+        </p:txBody>
+      </p:sp>
+      <p:sp>
+        <p:nvSpPr>
+          <p:cNvPr id="59" name="Rectangle 58">
+            <a:extLst>
+              <a:ext uri="{FF2B5EF4-FFF2-40B4-BE49-F238E27FC236}">
+                <a16:creationId xmlns:a16="http://schemas.microsoft.com/office/drawing/2014/main" id="{91EDDF4D-4B3B-C645-A8E4-0B08248B0757}"/>
               </a:ext>
             </a:extLst>
           </p:cNvPr>
@@ -5032,19 +4860,18 @@
         </p:nvSpPr>
         <p:spPr>
           <a:xfrm>
-            <a:off x="6802467" y="3762960"/>
-            <a:ext cx="253435" cy="212902"/>
-          </a:xfrm>
-          <a:prstGeom prst="ellipse">
+            <a:off x="5423096" y="1505355"/>
+            <a:ext cx="4010669" cy="1927387"/>
+          </a:xfrm>
+          <a:prstGeom prst="rect">
             <a:avLst/>
           </a:prstGeom>
-          <a:solidFill>
-            <a:schemeClr val="tx1"/>
-          </a:solidFill>
-          <a:ln>
+          <a:noFill/>
+          <a:ln w="12700">
             <a:solidFill>
               <a:schemeClr val="tx1"/>
             </a:solidFill>
+            <a:prstDash val="dash"/>
           </a:ln>
         </p:spPr>
         <p:style>
@@ -5064,26 +4891,72 @@
           </a:fontRef>
         </p:style>
         <p:txBody>
-          <a:bodyPr lIns="0" tIns="0" rIns="0" bIns="0" rtlCol="0" anchor="ctr"/>
-          <a:lstStyle/>
-          <a:p>
-            <a:pPr algn="ctr"/>
-            <a:r>
-              <a:rPr lang="en-US" sz="800" dirty="0">
+          <a:bodyPr rot="0" spcFirstLastPara="0" vertOverflow="overflow" horzOverflow="overflow" vert="horz" wrap="square" lIns="91440" tIns="0" rIns="91440" bIns="45720" numCol="1" spcCol="0" rtlCol="0" fromWordArt="0" anchor="t" anchorCtr="0" forceAA="0" compatLnSpc="1">
+            <a:prstTxWarp prst="textNoShape">
+              <a:avLst/>
+            </a:prstTxWarp>
+            <a:noAutofit/>
+          </a:bodyPr>
+          <a:lstStyle/>
+          <a:p>
+            <a:r>
+              <a:rPr lang="en-US" sz="1100" b="1" dirty="0">
+                <a:solidFill>
+                  <a:schemeClr val="tx1"/>
+                </a:solidFill>
                 <a:latin typeface="Arial" panose="020B0604020202020204" pitchFamily="34" charset="0"/>
                 <a:cs typeface="Arial" panose="020B0604020202020204" pitchFamily="34" charset="0"/>
               </a:rPr>
-              <a:t>4.0</a:t>
-            </a:r>
-          </a:p>
-        </p:txBody>
-      </p:sp>
-      <p:sp>
-        <p:nvSpPr>
-          <p:cNvPr id="237" name="Oval 236">
-            <a:extLst>
-              <a:ext uri="{FF2B5EF4-FFF2-40B4-BE49-F238E27FC236}">
-                <a16:creationId xmlns:a16="http://schemas.microsoft.com/office/drawing/2014/main" id="{6BA035C0-F86D-6346-86AE-2BA9D3B2E833}"/>
+              <a:t>Home-region</a:t>
+            </a:r>
+          </a:p>
+        </p:txBody>
+      </p:sp>
+      <p:sp>
+        <p:nvSpPr>
+          <p:cNvPr id="61" name="TextBox 60">
+            <a:extLst>
+              <a:ext uri="{FF2B5EF4-FFF2-40B4-BE49-F238E27FC236}">
+                <a16:creationId xmlns:a16="http://schemas.microsoft.com/office/drawing/2014/main" id="{465CBCF9-9E40-8B4C-AC64-59AAF7B66390}"/>
+              </a:ext>
+            </a:extLst>
+          </p:cNvPr>
+          <p:cNvSpPr txBox="1"/>
+          <p:nvPr/>
+        </p:nvSpPr>
+        <p:spPr>
+          <a:xfrm>
+            <a:off x="6438769" y="2834596"/>
+            <a:ext cx="1383592" cy="261610"/>
+          </a:xfrm>
+          <a:prstGeom prst="rect">
+            <a:avLst/>
+          </a:prstGeom>
+          <a:noFill/>
+        </p:spPr>
+        <p:txBody>
+          <a:bodyPr wrap="square" rtlCol="0">
+            <a:spAutoFit/>
+          </a:bodyPr>
+          <a:lstStyle/>
+          <a:p>
+            <a:pPr algn="ctr"/>
+            <a:r>
+              <a:rPr lang="en-US" sz="1100" dirty="0">
+                <a:latin typeface="Arial" panose="020B0604020202020204" pitchFamily="34" charset="0"/>
+                <a:cs typeface="Arial" panose="020B0604020202020204" pitchFamily="34" charset="0"/>
+              </a:rPr>
+              <a:t>Delivery Bucket</a:t>
+            </a:r>
+          </a:p>
+        </p:txBody>
+      </p:sp>
+      <p:sp>
+        <p:nvSpPr>
+          <p:cNvPr id="64" name="Oval 63">
+            <a:extLst>
+              <a:ext uri="{FF2B5EF4-FFF2-40B4-BE49-F238E27FC236}">
+                <a16:creationId xmlns:a16="http://schemas.microsoft.com/office/drawing/2014/main" id="{F24996B0-3392-5145-A093-FF669FBBDB99}"/>
               </a:ext>
             </a:extLst>
           </p:cNvPr>
@@ -5092,7 +4965,7 @@
         </p:nvSpPr>
         <p:spPr>
           <a:xfrm>
-            <a:off x="1301639" y="4755450"/>
+            <a:off x="5344064" y="1014311"/>
             <a:ext cx="253435" cy="212902"/>
           </a:xfrm>
           <a:prstGeom prst="ellipse">
@@ -5133,17 +5006,131 @@
                 <a:latin typeface="Arial" panose="020B0604020202020204" pitchFamily="34" charset="0"/>
                 <a:cs typeface="Arial" panose="020B0604020202020204" pitchFamily="34" charset="0"/>
               </a:rPr>
-              <a:t>3.1</a:t>
-            </a:r>
-          </a:p>
-        </p:txBody>
-      </p:sp>
-      <p:sp>
-        <p:nvSpPr>
-          <p:cNvPr id="58" name="Rectangle 57">
-            <a:extLst>
-              <a:ext uri="{FF2B5EF4-FFF2-40B4-BE49-F238E27FC236}">
-                <a16:creationId xmlns:a16="http://schemas.microsoft.com/office/drawing/2014/main" id="{135A5B4C-8864-0D4C-B02D-2934ADE31255}"/>
+              <a:t>2.0</a:t>
+            </a:r>
+          </a:p>
+        </p:txBody>
+      </p:sp>
+      <p:sp>
+        <p:nvSpPr>
+          <p:cNvPr id="67" name="TextBox 66">
+            <a:extLst>
+              <a:ext uri="{FF2B5EF4-FFF2-40B4-BE49-F238E27FC236}">
+                <a16:creationId xmlns:a16="http://schemas.microsoft.com/office/drawing/2014/main" id="{D4310F5A-96C5-5445-A60A-2ACF3FA7C39D}"/>
+              </a:ext>
+            </a:extLst>
+          </p:cNvPr>
+          <p:cNvSpPr txBox="1"/>
+          <p:nvPr/>
+        </p:nvSpPr>
+        <p:spPr>
+          <a:xfrm>
+            <a:off x="5437916" y="2821156"/>
+            <a:ext cx="1189000" cy="430887"/>
+          </a:xfrm>
+          <a:prstGeom prst="rect">
+            <a:avLst/>
+          </a:prstGeom>
+          <a:noFill/>
+        </p:spPr>
+        <p:txBody>
+          <a:bodyPr wrap="square" rtlCol="0">
+            <a:spAutoFit/>
+          </a:bodyPr>
+          <a:lstStyle/>
+          <a:p>
+            <a:pPr algn="ctr"/>
+            <a:r>
+              <a:rPr lang="en-US" sz="1100" dirty="0">
+                <a:latin typeface="Arial" panose="020B0604020202020204" pitchFamily="34" charset="0"/>
+                <a:cs typeface="Arial" panose="020B0604020202020204" pitchFamily="34" charset="0"/>
+              </a:rPr>
+              <a:t>AWS CloudFormation</a:t>
+            </a:r>
+          </a:p>
+        </p:txBody>
+      </p:sp>
+      <p:pic>
+        <p:nvPicPr>
+          <p:cNvPr id="68" name="Graphic 67">
+            <a:extLst>
+              <a:ext uri="{FF2B5EF4-FFF2-40B4-BE49-F238E27FC236}">
+                <a16:creationId xmlns:a16="http://schemas.microsoft.com/office/drawing/2014/main" id="{BAB1BC67-40D5-E047-AA47-37D6CE2D46BE}"/>
+              </a:ext>
+            </a:extLst>
+          </p:cNvPr>
+          <p:cNvPicPr>
+            <a:picLocks noChangeAspect="1"/>
+          </p:cNvPicPr>
+          <p:nvPr/>
+        </p:nvPicPr>
+        <p:blipFill>
+          <a:blip r:embed="rId5">
+            <a:extLst>
+              <a:ext uri="{96DAC541-7B7A-43D3-8B79-37D633B846F1}">
+                <asvg:svgBlip xmlns:asvg="http://schemas.microsoft.com/office/drawing/2016/SVG/main" r:embed="rId6"/>
+              </a:ext>
+            </a:extLst>
+          </a:blip>
+          <a:stretch>
+            <a:fillRect/>
+          </a:stretch>
+        </p:blipFill>
+        <p:spPr>
+          <a:xfrm>
+            <a:off x="5805289" y="2374326"/>
+            <a:ext cx="457200" cy="457200"/>
+          </a:xfrm>
+          <a:prstGeom prst="rect">
+            <a:avLst/>
+          </a:prstGeom>
+        </p:spPr>
+      </p:pic>
+      <p:sp>
+        <p:nvSpPr>
+          <p:cNvPr id="131" name="TextBox 130">
+            <a:extLst>
+              <a:ext uri="{FF2B5EF4-FFF2-40B4-BE49-F238E27FC236}">
+                <a16:creationId xmlns:a16="http://schemas.microsoft.com/office/drawing/2014/main" id="{14C3CACE-8182-0048-84AF-D202A097E763}"/>
+              </a:ext>
+            </a:extLst>
+          </p:cNvPr>
+          <p:cNvSpPr txBox="1"/>
+          <p:nvPr/>
+        </p:nvSpPr>
+        <p:spPr>
+          <a:xfrm>
+            <a:off x="3957285" y="2819069"/>
+            <a:ext cx="1164359" cy="430887"/>
+          </a:xfrm>
+          <a:prstGeom prst="rect">
+            <a:avLst/>
+          </a:prstGeom>
+          <a:noFill/>
+        </p:spPr>
+        <p:txBody>
+          <a:bodyPr wrap="square" rtlCol="0">
+            <a:spAutoFit/>
+          </a:bodyPr>
+          <a:lstStyle/>
+          <a:p>
+            <a:pPr algn="ctr"/>
+            <a:r>
+              <a:rPr lang="en-US" sz="1100" dirty="0">
+                <a:latin typeface="Arial" panose="020B0604020202020204" pitchFamily="34" charset="0"/>
+                <a:cs typeface="Arial" panose="020B0604020202020204" pitchFamily="34" charset="0"/>
+              </a:rPr>
+              <a:t>AWS Organizations</a:t>
+            </a:r>
+          </a:p>
+        </p:txBody>
+      </p:sp>
+      <p:sp>
+        <p:nvSpPr>
+          <p:cNvPr id="74" name="Rectangle 73">
+            <a:extLst>
+              <a:ext uri="{FF2B5EF4-FFF2-40B4-BE49-F238E27FC236}">
+                <a16:creationId xmlns:a16="http://schemas.microsoft.com/office/drawing/2014/main" id="{B341FA73-87BC-A64E-9986-C6A3B2E1738D}"/>
               </a:ext>
             </a:extLst>
           </p:cNvPr>
@@ -5152,8 +5139,8 @@
         </p:nvSpPr>
         <p:spPr>
           <a:xfrm>
-            <a:off x="5775066" y="671686"/>
-            <a:ext cx="4601854" cy="2989471"/>
+            <a:off x="7483365" y="4389720"/>
+            <a:ext cx="1549097" cy="1582181"/>
           </a:xfrm>
           <a:prstGeom prst="rect">
             <a:avLst/>
@@ -5163,7 +5150,7 @@
             <a:solidFill>
               <a:schemeClr val="tx1"/>
             </a:solidFill>
-            <a:prstDash val="solid"/>
+            <a:prstDash val="dash"/>
           </a:ln>
         </p:spPr>
         <p:style>
@@ -5183,47 +5170,69 @@
           </a:fontRef>
         </p:style>
         <p:txBody>
-          <a:bodyPr rot="0" spcFirstLastPara="0" vertOverflow="overflow" horzOverflow="overflow" vert="horz" wrap="square" lIns="91440" tIns="91440" rIns="91440" bIns="45720" numCol="1" spcCol="0" rtlCol="0" fromWordArt="0" anchor="t" anchorCtr="0" forceAA="0" compatLnSpc="1">
-            <a:prstTxWarp prst="textNoShape">
-              <a:avLst/>
-            </a:prstTxWarp>
+          <a:bodyPr rot="0" spcFirstLastPara="0" vertOverflow="overflow" horzOverflow="overflow" vert="horz" wrap="square" lIns="91440" tIns="0" rIns="91440" bIns="45720" numCol="1" spcCol="0" rtlCol="0" fromWordArt="0" anchor="t" anchorCtr="0" forceAA="0" compatLnSpc="1">
             <a:noAutofit/>
           </a:bodyPr>
           <a:lstStyle/>
           <a:p>
-            <a:pPr algn="ctr"/>
-            <a:r>
-              <a:rPr lang="en-US" sz="1400" dirty="0">
+            <a:r>
+              <a:rPr lang="en-US" sz="1100" b="1" dirty="0">
                 <a:solidFill>
                   <a:schemeClr val="tx1"/>
                 </a:solidFill>
                 <a:latin typeface="Arial" panose="020B0604020202020204" pitchFamily="34" charset="0"/>
                 <a:cs typeface="Arial" panose="020B0604020202020204" pitchFamily="34" charset="0"/>
               </a:rPr>
-              <a:t>Security Log Archive Account</a:t>
-            </a:r>
-          </a:p>
+              <a:t>region-1</a:t>
+            </a:r>
+          </a:p>
+        </p:txBody>
+      </p:sp>
+      <p:sp>
+        <p:nvSpPr>
+          <p:cNvPr id="75" name="TextBox 74">
+            <a:extLst>
+              <a:ext uri="{FF2B5EF4-FFF2-40B4-BE49-F238E27FC236}">
+                <a16:creationId xmlns:a16="http://schemas.microsoft.com/office/drawing/2014/main" id="{0BEB84BD-0465-DD40-B35A-CE3586CF57BD}"/>
+              </a:ext>
+            </a:extLst>
+          </p:cNvPr>
+          <p:cNvSpPr txBox="1"/>
+          <p:nvPr/>
+        </p:nvSpPr>
+        <p:spPr>
+          <a:xfrm>
+            <a:off x="7689870" y="5557735"/>
+            <a:ext cx="1378735" cy="430887"/>
+          </a:xfrm>
+          <a:prstGeom prst="rect">
+            <a:avLst/>
+          </a:prstGeom>
+          <a:noFill/>
+        </p:spPr>
+        <p:txBody>
+          <a:bodyPr wrap="square" rtlCol="0">
+            <a:spAutoFit/>
+          </a:bodyPr>
+          <a:lstStyle/>
           <a:p>
             <a:pPr algn="ctr"/>
             <a:r>
-              <a:rPr lang="en-US" sz="1400" dirty="0">
-                <a:solidFill>
-                  <a:schemeClr val="tx1"/>
-                </a:solidFill>
+              <a:rPr lang="en-US" sz="1100" dirty="0">
                 <a:latin typeface="Arial" panose="020B0604020202020204" pitchFamily="34" charset="0"/>
                 <a:cs typeface="Arial" panose="020B0604020202020204" pitchFamily="34" charset="0"/>
               </a:rPr>
-              <a:t>OU: Core</a:t>
-            </a:r>
-          </a:p>
-        </p:txBody>
-      </p:sp>
-      <p:sp>
-        <p:nvSpPr>
-          <p:cNvPr id="59" name="Rectangle 58">
-            <a:extLst>
-              <a:ext uri="{FF2B5EF4-FFF2-40B4-BE49-F238E27FC236}">
-                <a16:creationId xmlns:a16="http://schemas.microsoft.com/office/drawing/2014/main" id="{91EDDF4D-4B3B-C645-A8E4-0B08248B0757}"/>
+              <a:t>Organization Conformance Pack</a:t>
+            </a:r>
+          </a:p>
+        </p:txBody>
+      </p:sp>
+      <p:sp>
+        <p:nvSpPr>
+          <p:cNvPr id="76" name="Rectangle 75">
+            <a:extLst>
+              <a:ext uri="{FF2B5EF4-FFF2-40B4-BE49-F238E27FC236}">
+                <a16:creationId xmlns:a16="http://schemas.microsoft.com/office/drawing/2014/main" id="{A0DE7897-D1ED-FB47-926B-6CD5E355CB15}"/>
               </a:ext>
             </a:extLst>
           </p:cNvPr>
@@ -5232,8 +5241,8 @@
         </p:nvSpPr>
         <p:spPr>
           <a:xfrm>
-            <a:off x="7218681" y="1328530"/>
-            <a:ext cx="3108791" cy="2244943"/>
+            <a:off x="7587919" y="4630113"/>
+            <a:ext cx="1444543" cy="1341788"/>
           </a:xfrm>
           <a:prstGeom prst="rect">
             <a:avLst/>
@@ -5263,90 +5272,50 @@
           </a:fontRef>
         </p:style>
         <p:txBody>
-          <a:bodyPr rot="0" spcFirstLastPara="0" vertOverflow="overflow" horzOverflow="overflow" vert="horz" wrap="square" lIns="91440" tIns="91440" rIns="91440" bIns="45720" numCol="1" spcCol="0" rtlCol="0" fromWordArt="0" anchor="t" anchorCtr="0" forceAA="0" compatLnSpc="1">
-            <a:prstTxWarp prst="textNoShape">
-              <a:avLst/>
-            </a:prstTxWarp>
+          <a:bodyPr rot="0" spcFirstLastPara="0" vertOverflow="overflow" horzOverflow="overflow" vert="horz" wrap="square" lIns="91440" tIns="0" rIns="91440" bIns="45720" numCol="1" spcCol="0" rtlCol="0" fromWordArt="0" anchor="t" anchorCtr="0" forceAA="0" compatLnSpc="1">
             <a:noAutofit/>
           </a:bodyPr>
           <a:lstStyle/>
           <a:p>
-            <a:endParaRPr lang="en-US" sz="1400" dirty="0">
-              <a:solidFill>
-                <a:srgbClr val="5A6B86"/>
-              </a:solidFill>
-              <a:latin typeface="Arial" panose="020B0604020202020204" pitchFamily="34" charset="0"/>
-              <a:cs typeface="Arial" panose="020B0604020202020204" pitchFamily="34" charset="0"/>
-            </a:endParaRPr>
-          </a:p>
-        </p:txBody>
-      </p:sp>
-      <p:sp>
-        <p:nvSpPr>
-          <p:cNvPr id="61" name="TextBox 60">
-            <a:extLst>
-              <a:ext uri="{FF2B5EF4-FFF2-40B4-BE49-F238E27FC236}">
-                <a16:creationId xmlns:a16="http://schemas.microsoft.com/office/drawing/2014/main" id="{465CBCF9-9E40-8B4C-AC64-59AAF7B66390}"/>
-              </a:ext>
-            </a:extLst>
-          </p:cNvPr>
-          <p:cNvSpPr txBox="1"/>
+            <a:r>
+              <a:rPr lang="en-US" sz="1100" b="1" dirty="0">
+                <a:solidFill>
+                  <a:schemeClr val="tx1"/>
+                </a:solidFill>
+                <a:latin typeface="Arial" panose="020B0604020202020204" pitchFamily="34" charset="0"/>
+                <a:cs typeface="Arial" panose="020B0604020202020204" pitchFamily="34" charset="0"/>
+              </a:rPr>
+              <a:t>region-2</a:t>
+            </a:r>
+          </a:p>
+        </p:txBody>
+      </p:sp>
+      <p:sp>
+        <p:nvSpPr>
+          <p:cNvPr id="77" name="Rectangle 76">
+            <a:extLst>
+              <a:ext uri="{FF2B5EF4-FFF2-40B4-BE49-F238E27FC236}">
+                <a16:creationId xmlns:a16="http://schemas.microsoft.com/office/drawing/2014/main" id="{1BA801BF-0E6F-0A4F-B304-F0BB23AB4ED0}"/>
+              </a:ext>
+            </a:extLst>
+          </p:cNvPr>
+          <p:cNvSpPr/>
           <p:nvPr/>
         </p:nvSpPr>
         <p:spPr>
           <a:xfrm>
-            <a:off x="7189757" y="2990685"/>
-            <a:ext cx="1383592" cy="430887"/>
+            <a:off x="7678780" y="4859862"/>
+            <a:ext cx="1353682" cy="1112040"/>
           </a:xfrm>
           <a:prstGeom prst="rect">
             <a:avLst/>
           </a:prstGeom>
           <a:noFill/>
-        </p:spPr>
-        <p:txBody>
-          <a:bodyPr wrap="square" rtlCol="0">
-            <a:spAutoFit/>
-          </a:bodyPr>
-          <a:lstStyle/>
-          <a:p>
-            <a:pPr algn="ctr"/>
-            <a:r>
-              <a:rPr lang="en-US" sz="1100" dirty="0">
-                <a:latin typeface="Arial" panose="020B0604020202020204" pitchFamily="34" charset="0"/>
-                <a:cs typeface="Arial" panose="020B0604020202020204" pitchFamily="34" charset="0"/>
-              </a:rPr>
-              <a:t>Conformance Pack Delivery Bucket</a:t>
-            </a:r>
-          </a:p>
-        </p:txBody>
-      </p:sp>
-      <p:sp>
-        <p:nvSpPr>
-          <p:cNvPr id="64" name="Oval 63">
-            <a:extLst>
-              <a:ext uri="{FF2B5EF4-FFF2-40B4-BE49-F238E27FC236}">
-                <a16:creationId xmlns:a16="http://schemas.microsoft.com/office/drawing/2014/main" id="{F24996B0-3392-5145-A093-FF669FBBDB99}"/>
-              </a:ext>
-            </a:extLst>
-          </p:cNvPr>
-          <p:cNvSpPr/>
-          <p:nvPr/>
-        </p:nvSpPr>
-        <p:spPr>
-          <a:xfrm>
-            <a:off x="5798209" y="692418"/>
-            <a:ext cx="253435" cy="212902"/>
-          </a:xfrm>
-          <a:prstGeom prst="ellipse">
-            <a:avLst/>
-          </a:prstGeom>
-          <a:solidFill>
-            <a:schemeClr val="tx1"/>
-          </a:solidFill>
-          <a:ln>
+          <a:ln w="12700">
             <a:solidFill>
               <a:schemeClr val="tx1"/>
             </a:solidFill>
+            <a:prstDash val="dash"/>
           </a:ln>
         </p:spPr>
         <p:style>
@@ -5366,26 +5335,30 @@
           </a:fontRef>
         </p:style>
         <p:txBody>
-          <a:bodyPr lIns="0" tIns="0" rIns="0" bIns="0" rtlCol="0" anchor="ctr"/>
-          <a:lstStyle/>
-          <a:p>
-            <a:pPr algn="ctr"/>
-            <a:r>
-              <a:rPr lang="en-US" sz="800" dirty="0">
+          <a:bodyPr rot="0" spcFirstLastPara="0" vertOverflow="overflow" horzOverflow="overflow" vert="horz" wrap="square" lIns="91440" tIns="0" rIns="91440" bIns="45720" numCol="1" spcCol="0" rtlCol="0" fromWordArt="0" anchor="t" anchorCtr="0" forceAA="0" compatLnSpc="1">
+            <a:noAutofit/>
+          </a:bodyPr>
+          <a:lstStyle/>
+          <a:p>
+            <a:r>
+              <a:rPr lang="en-US" sz="1100" b="1" dirty="0">
+                <a:solidFill>
+                  <a:schemeClr val="tx1"/>
+                </a:solidFill>
                 <a:latin typeface="Arial" panose="020B0604020202020204" pitchFamily="34" charset="0"/>
                 <a:cs typeface="Arial" panose="020B0604020202020204" pitchFamily="34" charset="0"/>
               </a:rPr>
-              <a:t>2.0</a:t>
+              <a:t>region-n</a:t>
             </a:r>
           </a:p>
         </p:txBody>
       </p:sp>
       <p:pic>
         <p:nvPicPr>
-          <p:cNvPr id="66" name="Graphic 1">
-            <a:extLst>
-              <a:ext uri="{FF2B5EF4-FFF2-40B4-BE49-F238E27FC236}">
-                <a16:creationId xmlns:a16="http://schemas.microsoft.com/office/drawing/2014/main" id="{34687A93-38E6-A04A-B579-49FA4B0B9F5C}"/>
+          <p:cNvPr id="78" name="Graphic 77">
+            <a:extLst>
+              <a:ext uri="{FF2B5EF4-FFF2-40B4-BE49-F238E27FC236}">
+                <a16:creationId xmlns:a16="http://schemas.microsoft.com/office/drawing/2014/main" id="{97B1A428-5268-8C4B-8E38-E8BAC8181D1C}"/>
               </a:ext>
             </a:extLst>
           </p:cNvPr>
@@ -5408,8 +5381,8 @@
         </p:blipFill>
         <p:spPr>
           <a:xfrm>
-            <a:off x="7579871" y="2466518"/>
-            <a:ext cx="555156" cy="555156"/>
+            <a:off x="8150638" y="5098451"/>
+            <a:ext cx="457200" cy="457200"/>
           </a:xfrm>
           <a:prstGeom prst="rect">
             <a:avLst/>
@@ -5418,10 +5391,10 @@
       </p:pic>
       <p:sp>
         <p:nvSpPr>
-          <p:cNvPr id="65" name="Oval 64">
-            <a:extLst>
-              <a:ext uri="{FF2B5EF4-FFF2-40B4-BE49-F238E27FC236}">
-                <a16:creationId xmlns:a16="http://schemas.microsoft.com/office/drawing/2014/main" id="{ACEBD54F-E18F-2E40-BED4-7030ACC7F2B3}"/>
+          <p:cNvPr id="79" name="Oval 78">
+            <a:extLst>
+              <a:ext uri="{FF2B5EF4-FFF2-40B4-BE49-F238E27FC236}">
+                <a16:creationId xmlns:a16="http://schemas.microsoft.com/office/drawing/2014/main" id="{1D6FDB20-DFA5-AD43-AD66-7C2B8E8C0AC0}"/>
               </a:ext>
             </a:extLst>
           </p:cNvPr>
@@ -5430,7 +5403,7 @@
         </p:nvSpPr>
         <p:spPr>
           <a:xfrm>
-            <a:off x="7588740" y="2473773"/>
+            <a:off x="8164099" y="5117837"/>
             <a:ext cx="253435" cy="212902"/>
           </a:xfrm>
           <a:prstGeom prst="ellipse">
@@ -5471,176 +5444,17 @@
                 <a:latin typeface="Arial" panose="020B0604020202020204" pitchFamily="34" charset="0"/>
                 <a:cs typeface="Arial" panose="020B0604020202020204" pitchFamily="34" charset="0"/>
               </a:rPr>
-              <a:t>2.2</a:t>
-            </a:r>
-          </a:p>
-        </p:txBody>
-      </p:sp>
-      <p:sp>
-        <p:nvSpPr>
-          <p:cNvPr id="67" name="TextBox 66">
-            <a:extLst>
-              <a:ext uri="{FF2B5EF4-FFF2-40B4-BE49-F238E27FC236}">
-                <a16:creationId xmlns:a16="http://schemas.microsoft.com/office/drawing/2014/main" id="{D4310F5A-96C5-5445-A60A-2ACF3FA7C39D}"/>
-              </a:ext>
-            </a:extLst>
-          </p:cNvPr>
-          <p:cNvSpPr txBox="1"/>
-          <p:nvPr/>
-        </p:nvSpPr>
-        <p:spPr>
-          <a:xfrm>
-            <a:off x="5809561" y="2358689"/>
-            <a:ext cx="1307240" cy="430887"/>
-          </a:xfrm>
-          <a:prstGeom prst="rect">
-            <a:avLst/>
-          </a:prstGeom>
-          <a:noFill/>
-        </p:spPr>
-        <p:txBody>
-          <a:bodyPr wrap="square" rtlCol="0">
-            <a:spAutoFit/>
-          </a:bodyPr>
-          <a:lstStyle/>
-          <a:p>
-            <a:pPr algn="ctr"/>
-            <a:r>
-              <a:rPr lang="en-US" sz="1100" dirty="0">
-                <a:latin typeface="Arial" panose="020B0604020202020204" pitchFamily="34" charset="0"/>
-                <a:cs typeface="Arial" panose="020B0604020202020204" pitchFamily="34" charset="0"/>
-              </a:rPr>
-              <a:t>AWS CloudFormation</a:t>
+              <a:t>4.2</a:t>
             </a:r>
           </a:p>
         </p:txBody>
       </p:sp>
       <p:pic>
         <p:nvPicPr>
-          <p:cNvPr id="68" name="Graphic 67">
-            <a:extLst>
-              <a:ext uri="{FF2B5EF4-FFF2-40B4-BE49-F238E27FC236}">
-                <a16:creationId xmlns:a16="http://schemas.microsoft.com/office/drawing/2014/main" id="{BAB1BC67-40D5-E047-AA47-37D6CE2D46BE}"/>
-              </a:ext>
-            </a:extLst>
-          </p:cNvPr>
-          <p:cNvPicPr>
-            <a:picLocks noChangeAspect="1"/>
-          </p:cNvPicPr>
-          <p:nvPr/>
-        </p:nvPicPr>
-        <p:blipFill>
-          <a:blip r:embed="rId5">
-            <a:extLst>
-              <a:ext uri="{96DAC541-7B7A-43D3-8B79-37D633B846F1}">
-                <asvg:svgBlip xmlns:asvg="http://schemas.microsoft.com/office/drawing/2016/SVG/main" r:embed="rId6"/>
-              </a:ext>
-            </a:extLst>
-          </a:blip>
-          <a:stretch>
-            <a:fillRect/>
-          </a:stretch>
-        </p:blipFill>
-        <p:spPr>
-          <a:xfrm>
-            <a:off x="6185603" y="1770295"/>
-            <a:ext cx="555156" cy="555156"/>
-          </a:xfrm>
-          <a:prstGeom prst="rect">
-            <a:avLst/>
-          </a:prstGeom>
-        </p:spPr>
-      </p:pic>
-      <p:cxnSp>
-        <p:nvCxnSpPr>
-          <p:cNvPr id="69" name="Straight Arrow Connector 68">
-            <a:extLst>
-              <a:ext uri="{FF2B5EF4-FFF2-40B4-BE49-F238E27FC236}">
-                <a16:creationId xmlns:a16="http://schemas.microsoft.com/office/drawing/2014/main" id="{F515EEE7-0D83-9240-9A27-A96C980B0265}"/>
-              </a:ext>
-            </a:extLst>
-          </p:cNvPr>
-          <p:cNvCxnSpPr>
-            <a:cxnSpLocks/>
-          </p:cNvCxnSpPr>
-          <p:nvPr/>
-        </p:nvCxnSpPr>
-        <p:spPr>
-          <a:xfrm>
-            <a:off x="6896340" y="2055142"/>
-            <a:ext cx="270203" cy="318"/>
-          </a:xfrm>
-          <a:prstGeom prst="straightConnector1">
-            <a:avLst/>
-          </a:prstGeom>
-          <a:ln w="12700">
-            <a:solidFill>
-              <a:srgbClr val="545B64"/>
-            </a:solidFill>
-            <a:headEnd type="none" w="med" len="sm"/>
-            <a:tailEnd type="arrow" w="med" len="sm"/>
-          </a:ln>
-        </p:spPr>
-        <p:style>
-          <a:lnRef idx="1">
-            <a:schemeClr val="accent1"/>
-          </a:lnRef>
-          <a:fillRef idx="0">
-            <a:schemeClr val="accent1"/>
-          </a:fillRef>
-          <a:effectRef idx="0">
-            <a:schemeClr val="accent1"/>
-          </a:effectRef>
-          <a:fontRef idx="minor">
-            <a:schemeClr val="tx1"/>
-          </a:fontRef>
-        </p:style>
-      </p:cxnSp>
-      <p:sp>
-        <p:nvSpPr>
-          <p:cNvPr id="131" name="TextBox 130">
-            <a:extLst>
-              <a:ext uri="{FF2B5EF4-FFF2-40B4-BE49-F238E27FC236}">
-                <a16:creationId xmlns:a16="http://schemas.microsoft.com/office/drawing/2014/main" id="{14C3CACE-8182-0048-84AF-D202A097E763}"/>
-              </a:ext>
-            </a:extLst>
-          </p:cNvPr>
-          <p:cNvSpPr txBox="1"/>
-          <p:nvPr/>
-        </p:nvSpPr>
-        <p:spPr>
-          <a:xfrm>
-            <a:off x="3827570" y="2361861"/>
-            <a:ext cx="1321433" cy="430887"/>
-          </a:xfrm>
-          <a:prstGeom prst="rect">
-            <a:avLst/>
-          </a:prstGeom>
-          <a:noFill/>
-        </p:spPr>
-        <p:txBody>
-          <a:bodyPr wrap="square" rtlCol="0">
-            <a:spAutoFit/>
-          </a:bodyPr>
-          <a:lstStyle/>
-          <a:p>
-            <a:pPr algn="ctr"/>
-            <a:r>
-              <a:rPr lang="en-US" sz="1100" dirty="0">
-                <a:latin typeface="Arial" panose="020B0604020202020204" pitchFamily="34" charset="0"/>
-                <a:cs typeface="Arial" panose="020B0604020202020204" pitchFamily="34" charset="0"/>
-              </a:rPr>
-              <a:t>AWS Organizations</a:t>
-            </a:r>
-          </a:p>
-        </p:txBody>
-      </p:sp>
-      <p:pic>
-        <p:nvPicPr>
-          <p:cNvPr id="73" name="Graphic 72">
-            <a:extLst>
-              <a:ext uri="{FF2B5EF4-FFF2-40B4-BE49-F238E27FC236}">
-                <a16:creationId xmlns:a16="http://schemas.microsoft.com/office/drawing/2014/main" id="{E282941D-9C84-474C-BC1A-12EEB537A862}"/>
+          <p:cNvPr id="87" name="Graphic 86">
+            <a:extLst>
+              <a:ext uri="{FF2B5EF4-FFF2-40B4-BE49-F238E27FC236}">
+                <a16:creationId xmlns:a16="http://schemas.microsoft.com/office/drawing/2014/main" id="{6E29F94C-C778-BD43-86EF-07E2133769AD}"/>
               </a:ext>
             </a:extLst>
           </p:cNvPr>
@@ -5663,8 +5477,8 @@
         </p:blipFill>
         <p:spPr>
           <a:xfrm>
-            <a:off x="5260148" y="5434792"/>
-            <a:ext cx="564304" cy="564304"/>
+            <a:off x="6645194" y="5123283"/>
+            <a:ext cx="469900" cy="469900"/>
           </a:xfrm>
           <a:prstGeom prst="rect">
             <a:avLst/>
@@ -5673,10 +5487,49 @@
       </p:pic>
       <p:sp>
         <p:nvSpPr>
-          <p:cNvPr id="241" name="Oval 240">
-            <a:extLst>
-              <a:ext uri="{FF2B5EF4-FFF2-40B4-BE49-F238E27FC236}">
-                <a16:creationId xmlns:a16="http://schemas.microsoft.com/office/drawing/2014/main" id="{0AB58273-2C96-D048-8FE3-6652D9012A87}"/>
+          <p:cNvPr id="88" name="TextBox 87">
+            <a:extLst>
+              <a:ext uri="{FF2B5EF4-FFF2-40B4-BE49-F238E27FC236}">
+                <a16:creationId xmlns:a16="http://schemas.microsoft.com/office/drawing/2014/main" id="{2FE17A11-C202-8742-BD13-FB3BFD50B121}"/>
+              </a:ext>
+            </a:extLst>
+          </p:cNvPr>
+          <p:cNvSpPr txBox="1"/>
+          <p:nvPr/>
+        </p:nvSpPr>
+        <p:spPr>
+          <a:xfrm>
+            <a:off x="6343070" y="5496030"/>
+            <a:ext cx="1103001" cy="430887"/>
+          </a:xfrm>
+          <a:prstGeom prst="rect">
+            <a:avLst/>
+          </a:prstGeom>
+          <a:noFill/>
+        </p:spPr>
+        <p:txBody>
+          <a:bodyPr wrap="square" rtlCol="0">
+            <a:spAutoFit/>
+          </a:bodyPr>
+          <a:lstStyle/>
+          <a:p>
+            <a:pPr algn="ctr"/>
+            <a:r>
+              <a:rPr lang="en-US" sz="1100" dirty="0">
+                <a:latin typeface="Arial" panose="020B0604020202020204" pitchFamily="34" charset="0"/>
+                <a:cs typeface="Arial" panose="020B0604020202020204" pitchFamily="34" charset="0"/>
+              </a:rPr>
+              <a:t>Service-Linked Role</a:t>
+            </a:r>
+          </a:p>
+        </p:txBody>
+      </p:sp>
+      <p:sp>
+        <p:nvSpPr>
+          <p:cNvPr id="89" name="Oval 88">
+            <a:extLst>
+              <a:ext uri="{FF2B5EF4-FFF2-40B4-BE49-F238E27FC236}">
+                <a16:creationId xmlns:a16="http://schemas.microsoft.com/office/drawing/2014/main" id="{DB89E8C2-CCD3-6A4B-BAFC-951E4EDBF2B3}"/>
               </a:ext>
             </a:extLst>
           </p:cNvPr>
@@ -5685,7 +5538,7 @@
         </p:nvSpPr>
         <p:spPr>
           <a:xfrm>
-            <a:off x="5273609" y="5443668"/>
+            <a:off x="6775764" y="4965303"/>
             <a:ext cx="253435" cy="212902"/>
           </a:xfrm>
           <a:prstGeom prst="ellipse">
@@ -5726,37 +5579,74 @@
                 <a:latin typeface="Arial" panose="020B0604020202020204" pitchFamily="34" charset="0"/>
                 <a:cs typeface="Arial" panose="020B0604020202020204" pitchFamily="34" charset="0"/>
               </a:rPr>
-              <a:t>3.3</a:t>
-            </a:r>
-          </a:p>
-        </p:txBody>
-      </p:sp>
-      <p:sp>
-        <p:nvSpPr>
-          <p:cNvPr id="74" name="Rectangle 73">
-            <a:extLst>
-              <a:ext uri="{FF2B5EF4-FFF2-40B4-BE49-F238E27FC236}">
-                <a16:creationId xmlns:a16="http://schemas.microsoft.com/office/drawing/2014/main" id="{B341FA73-87BC-A64E-9986-C6A3B2E1738D}"/>
-              </a:ext>
-            </a:extLst>
-          </p:cNvPr>
-          <p:cNvSpPr/>
+              <a:t>4.1</a:t>
+            </a:r>
+          </a:p>
+        </p:txBody>
+      </p:sp>
+      <p:pic>
+        <p:nvPicPr>
+          <p:cNvPr id="91" name="Graphic 90">
+            <a:extLst>
+              <a:ext uri="{FF2B5EF4-FFF2-40B4-BE49-F238E27FC236}">
+                <a16:creationId xmlns:a16="http://schemas.microsoft.com/office/drawing/2014/main" id="{A16EAD63-FDB6-7E41-AD57-6B778FA56DFD}"/>
+              </a:ext>
+            </a:extLst>
+          </p:cNvPr>
+          <p:cNvPicPr>
+            <a:picLocks noChangeAspect="1"/>
+          </p:cNvPicPr>
           <p:nvPr/>
-        </p:nvSpPr>
-        <p:spPr>
-          <a:xfrm>
-            <a:off x="8572115" y="4488386"/>
-            <a:ext cx="1667406" cy="1943656"/>
+        </p:nvPicPr>
+        <p:blipFill>
+          <a:blip r:embed="rId11">
+            <a:extLst>
+              <a:ext uri="{96DAC541-7B7A-43D3-8B79-37D633B846F1}">
+                <asvg:svgBlip xmlns:asvg="http://schemas.microsoft.com/office/drawing/2016/SVG/main" r:embed="rId12"/>
+              </a:ext>
+            </a:extLst>
+          </a:blip>
+          <a:stretch>
+            <a:fillRect/>
+          </a:stretch>
+        </p:blipFill>
+        <p:spPr>
+          <a:xfrm>
+            <a:off x="4306535" y="2375298"/>
+            <a:ext cx="457200" cy="457200"/>
           </a:xfrm>
           <a:prstGeom prst="rect">
             <a:avLst/>
           </a:prstGeom>
-          <a:noFill/>
-          <a:ln w="12700">
+        </p:spPr>
+      </p:pic>
+      <p:sp>
+        <p:nvSpPr>
+          <p:cNvPr id="231" name="Oval 230">
+            <a:extLst>
+              <a:ext uri="{FF2B5EF4-FFF2-40B4-BE49-F238E27FC236}">
+                <a16:creationId xmlns:a16="http://schemas.microsoft.com/office/drawing/2014/main" id="{2D0C8646-87C5-B84D-B95C-97D1313A20DB}"/>
+              </a:ext>
+            </a:extLst>
+          </p:cNvPr>
+          <p:cNvSpPr/>
+          <p:nvPr/>
+        </p:nvSpPr>
+        <p:spPr>
+          <a:xfrm>
+            <a:off x="4314627" y="2392875"/>
+            <a:ext cx="253435" cy="212902"/>
+          </a:xfrm>
+          <a:prstGeom prst="ellipse">
+            <a:avLst/>
+          </a:prstGeom>
+          <a:solidFill>
+            <a:schemeClr val="tx1"/>
+          </a:solidFill>
+          <a:ln>
             <a:solidFill>
               <a:schemeClr val="tx1"/>
             </a:solidFill>
-            <a:prstDash val="dash"/>
           </a:ln>
         </p:spPr>
         <p:style>
@@ -5776,89 +5666,47 @@
           </a:fontRef>
         </p:style>
         <p:txBody>
-          <a:bodyPr rot="0" spcFirstLastPara="0" vertOverflow="overflow" horzOverflow="overflow" vert="horz" wrap="square" lIns="91440" tIns="91440" rIns="91440" bIns="45720" numCol="1" spcCol="0" rtlCol="0" fromWordArt="0" anchor="t" anchorCtr="0" forceAA="0" compatLnSpc="1">
-            <a:noAutofit/>
-          </a:bodyPr>
-          <a:lstStyle/>
-          <a:p>
-            <a:r>
-              <a:rPr lang="en-US" sz="1100" dirty="0">
-                <a:solidFill>
-                  <a:schemeClr val="tx1"/>
-                </a:solidFill>
+          <a:bodyPr lIns="0" tIns="0" rIns="0" bIns="0" rtlCol="0" anchor="ctr"/>
+          <a:lstStyle/>
+          <a:p>
+            <a:pPr algn="ctr"/>
+            <a:r>
+              <a:rPr lang="en-US" sz="800" dirty="0">
                 <a:latin typeface="Arial" panose="020B0604020202020204" pitchFamily="34" charset="0"/>
                 <a:cs typeface="Arial" panose="020B0604020202020204" pitchFamily="34" charset="0"/>
               </a:rPr>
-              <a:t>region-1</a:t>
-            </a:r>
-          </a:p>
-        </p:txBody>
-      </p:sp>
-      <p:sp>
-        <p:nvSpPr>
-          <p:cNvPr id="75" name="TextBox 74">
-            <a:extLst>
-              <a:ext uri="{FF2B5EF4-FFF2-40B4-BE49-F238E27FC236}">
-                <a16:creationId xmlns:a16="http://schemas.microsoft.com/office/drawing/2014/main" id="{0BEB84BD-0465-DD40-B35A-CE3586CF57BD}"/>
-              </a:ext>
-            </a:extLst>
-          </p:cNvPr>
-          <p:cNvSpPr txBox="1"/>
+              <a:t>1.2</a:t>
+            </a:r>
+          </a:p>
+        </p:txBody>
+      </p:sp>
+      <p:sp>
+        <p:nvSpPr>
+          <p:cNvPr id="98" name="Oval 97">
+            <a:extLst>
+              <a:ext uri="{FF2B5EF4-FFF2-40B4-BE49-F238E27FC236}">
+                <a16:creationId xmlns:a16="http://schemas.microsoft.com/office/drawing/2014/main" id="{BD9D0446-FB46-694D-974D-A264ED50F67D}"/>
+              </a:ext>
+            </a:extLst>
+          </p:cNvPr>
+          <p:cNvSpPr/>
           <p:nvPr/>
         </p:nvSpPr>
         <p:spPr>
           <a:xfrm>
-            <a:off x="8854493" y="5931850"/>
-            <a:ext cx="1378735" cy="430887"/>
-          </a:xfrm>
-          <a:prstGeom prst="rect">
+            <a:off x="5810917" y="2381349"/>
+            <a:ext cx="253435" cy="212902"/>
+          </a:xfrm>
+          <a:prstGeom prst="ellipse">
             <a:avLst/>
           </a:prstGeom>
-          <a:noFill/>
-        </p:spPr>
-        <p:txBody>
-          <a:bodyPr wrap="square" rtlCol="0">
-            <a:spAutoFit/>
-          </a:bodyPr>
-          <a:lstStyle/>
-          <a:p>
-            <a:pPr algn="ctr"/>
-            <a:r>
-              <a:rPr lang="en-US" sz="1100" dirty="0">
-                <a:latin typeface="Arial" panose="020B0604020202020204" pitchFamily="34" charset="0"/>
-                <a:cs typeface="Arial" panose="020B0604020202020204" pitchFamily="34" charset="0"/>
-              </a:rPr>
-              <a:t>Organization Conformance Pack</a:t>
-            </a:r>
-          </a:p>
-        </p:txBody>
-      </p:sp>
-      <p:sp>
-        <p:nvSpPr>
-          <p:cNvPr id="76" name="Rectangle 75">
-            <a:extLst>
-              <a:ext uri="{FF2B5EF4-FFF2-40B4-BE49-F238E27FC236}">
-                <a16:creationId xmlns:a16="http://schemas.microsoft.com/office/drawing/2014/main" id="{A0DE7897-D1ED-FB47-926B-6CD5E355CB15}"/>
-              </a:ext>
-            </a:extLst>
-          </p:cNvPr>
-          <p:cNvSpPr/>
-          <p:nvPr/>
-        </p:nvSpPr>
-        <p:spPr>
-          <a:xfrm>
-            <a:off x="8724515" y="4794054"/>
-            <a:ext cx="1515006" cy="1637987"/>
-          </a:xfrm>
-          <a:prstGeom prst="rect">
-            <a:avLst/>
-          </a:prstGeom>
-          <a:noFill/>
-          <a:ln w="12700">
+          <a:solidFill>
+            <a:schemeClr val="tx1"/>
+          </a:solidFill>
+          <a:ln>
             <a:solidFill>
               <a:schemeClr val="tx1"/>
             </a:solidFill>
-            <a:prstDash val="dash"/>
           </a:ln>
         </p:spPr>
         <p:style>
@@ -5878,30 +5726,26 @@
           </a:fontRef>
         </p:style>
         <p:txBody>
-          <a:bodyPr rot="0" spcFirstLastPara="0" vertOverflow="overflow" horzOverflow="overflow" vert="horz" wrap="square" lIns="91440" tIns="91440" rIns="91440" bIns="45720" numCol="1" spcCol="0" rtlCol="0" fromWordArt="0" anchor="t" anchorCtr="0" forceAA="0" compatLnSpc="1">
-            <a:noAutofit/>
-          </a:bodyPr>
-          <a:lstStyle/>
-          <a:p>
-            <a:r>
-              <a:rPr lang="en-US" sz="1100" dirty="0">
-                <a:solidFill>
-                  <a:schemeClr val="tx1"/>
-                </a:solidFill>
+          <a:bodyPr lIns="0" tIns="0" rIns="0" bIns="0" rtlCol="0" anchor="ctr"/>
+          <a:lstStyle/>
+          <a:p>
+            <a:pPr algn="ctr"/>
+            <a:r>
+              <a:rPr lang="en-US" sz="800" dirty="0">
                 <a:latin typeface="Arial" panose="020B0604020202020204" pitchFamily="34" charset="0"/>
                 <a:cs typeface="Arial" panose="020B0604020202020204" pitchFamily="34" charset="0"/>
               </a:rPr>
-              <a:t>region-2</a:t>
-            </a:r>
-          </a:p>
-        </p:txBody>
-      </p:sp>
-      <p:sp>
-        <p:nvSpPr>
-          <p:cNvPr id="77" name="Rectangle 76">
-            <a:extLst>
-              <a:ext uri="{FF2B5EF4-FFF2-40B4-BE49-F238E27FC236}">
-                <a16:creationId xmlns:a16="http://schemas.microsoft.com/office/drawing/2014/main" id="{1BA801BF-0E6F-0A4F-B304-F0BB23AB4ED0}"/>
+              <a:t>2.1</a:t>
+            </a:r>
+          </a:p>
+        </p:txBody>
+      </p:sp>
+      <p:sp>
+        <p:nvSpPr>
+          <p:cNvPr id="109" name="Rectangle 108">
+            <a:extLst>
+              <a:ext uri="{FF2B5EF4-FFF2-40B4-BE49-F238E27FC236}">
+                <a16:creationId xmlns:a16="http://schemas.microsoft.com/office/drawing/2014/main" id="{2D4FBBB0-60BF-4F46-B4B5-29594C608810}"/>
               </a:ext>
             </a:extLst>
           </p:cNvPr>
@@ -5910,8 +5754,8 @@
         </p:nvSpPr>
         <p:spPr>
           <a:xfrm>
-            <a:off x="8860785" y="5108102"/>
-            <a:ext cx="1378736" cy="1323939"/>
+            <a:off x="7755099" y="1738989"/>
+            <a:ext cx="1578503" cy="1572011"/>
           </a:xfrm>
           <a:prstGeom prst="rect">
             <a:avLst/>
@@ -5941,77 +5785,69 @@
           </a:fontRef>
         </p:style>
         <p:txBody>
-          <a:bodyPr rot="0" spcFirstLastPara="0" vertOverflow="overflow" horzOverflow="overflow" vert="horz" wrap="square" lIns="91440" tIns="91440" rIns="91440" bIns="45720" numCol="1" spcCol="0" rtlCol="0" fromWordArt="0" anchor="t" anchorCtr="0" forceAA="0" compatLnSpc="1">
-            <a:prstTxWarp prst="textNoShape">
-              <a:avLst/>
-            </a:prstTxWarp>
+          <a:bodyPr rot="0" spcFirstLastPara="0" vertOverflow="overflow" horzOverflow="overflow" vert="horz" wrap="square" lIns="91440" tIns="0" rIns="91440" bIns="45720" numCol="1" spcCol="0" rtlCol="0" fromWordArt="0" anchor="t" anchorCtr="0" forceAA="0" compatLnSpc="1">
             <a:noAutofit/>
           </a:bodyPr>
           <a:lstStyle/>
           <a:p>
             <a:r>
-              <a:rPr lang="en-US" sz="1100" dirty="0">
-                <a:ln w="0"/>
+              <a:rPr lang="en-US" sz="1100" b="1" dirty="0">
                 <a:solidFill>
                   <a:schemeClr val="tx1"/>
                 </a:solidFill>
-                <a:effectLst>
-                  <a:outerShdw blurRad="38100" dist="19050" dir="2700000" algn="tl" rotWithShape="0">
-                    <a:schemeClr val="dk1">
-                      <a:alpha val="40000"/>
-                    </a:schemeClr>
-                  </a:outerShdw>
-                </a:effectLst>
                 <a:latin typeface="Arial" panose="020B0604020202020204" pitchFamily="34" charset="0"/>
                 <a:cs typeface="Arial" panose="020B0604020202020204" pitchFamily="34" charset="0"/>
               </a:rPr>
-              <a:t>region-n</a:t>
-            </a:r>
-          </a:p>
-        </p:txBody>
-      </p:sp>
-      <p:pic>
-        <p:nvPicPr>
-          <p:cNvPr id="78" name="Graphic 77">
-            <a:extLst>
-              <a:ext uri="{FF2B5EF4-FFF2-40B4-BE49-F238E27FC236}">
-                <a16:creationId xmlns:a16="http://schemas.microsoft.com/office/drawing/2014/main" id="{97B1A428-5268-8C4B-8E38-E8BAC8181D1C}"/>
-              </a:ext>
-            </a:extLst>
-          </p:cNvPr>
-          <p:cNvPicPr>
-            <a:picLocks noChangeAspect="1"/>
-          </p:cNvPicPr>
+              <a:t>region-1</a:t>
+            </a:r>
+          </a:p>
+        </p:txBody>
+      </p:sp>
+      <p:sp>
+        <p:nvSpPr>
+          <p:cNvPr id="110" name="TextBox 109">
+            <a:extLst>
+              <a:ext uri="{FF2B5EF4-FFF2-40B4-BE49-F238E27FC236}">
+                <a16:creationId xmlns:a16="http://schemas.microsoft.com/office/drawing/2014/main" id="{FDB79633-6068-F24E-9ABF-3549869255B1}"/>
+              </a:ext>
+            </a:extLst>
+          </p:cNvPr>
+          <p:cNvSpPr txBox="1"/>
           <p:nvPr/>
-        </p:nvPicPr>
-        <p:blipFill>
-          <a:blip r:embed="rId9">
-            <a:extLst>
-              <a:ext uri="{96DAC541-7B7A-43D3-8B79-37D633B846F1}">
-                <asvg:svgBlip xmlns:asvg="http://schemas.microsoft.com/office/drawing/2016/SVG/main" r:embed="rId10"/>
-              </a:ext>
-            </a:extLst>
-          </a:blip>
-          <a:stretch>
-            <a:fillRect/>
-          </a:stretch>
-        </p:blipFill>
-        <p:spPr>
-          <a:xfrm>
-            <a:off x="9258824" y="5434792"/>
-            <a:ext cx="564304" cy="564304"/>
+        </p:nvSpPr>
+        <p:spPr>
+          <a:xfrm>
+            <a:off x="7954867" y="2832773"/>
+            <a:ext cx="1378735" cy="430887"/>
           </a:xfrm>
           <a:prstGeom prst="rect">
             <a:avLst/>
           </a:prstGeom>
-        </p:spPr>
-      </p:pic>
-      <p:sp>
-        <p:nvSpPr>
-          <p:cNvPr id="79" name="Oval 78">
-            <a:extLst>
-              <a:ext uri="{FF2B5EF4-FFF2-40B4-BE49-F238E27FC236}">
-                <a16:creationId xmlns:a16="http://schemas.microsoft.com/office/drawing/2014/main" id="{1D6FDB20-DFA5-AD43-AD66-7C2B8E8C0AC0}"/>
+          <a:noFill/>
+        </p:spPr>
+        <p:txBody>
+          <a:bodyPr wrap="square" rtlCol="0">
+            <a:spAutoFit/>
+          </a:bodyPr>
+          <a:lstStyle/>
+          <a:p>
+            <a:pPr algn="ctr"/>
+            <a:r>
+              <a:rPr lang="en-US" sz="1100" dirty="0">
+                <a:latin typeface="Arial" panose="020B0604020202020204" pitchFamily="34" charset="0"/>
+                <a:cs typeface="Arial" panose="020B0604020202020204" pitchFamily="34" charset="0"/>
+              </a:rPr>
+              <a:t>Organization Conformance Pack</a:t>
+            </a:r>
+          </a:p>
+        </p:txBody>
+      </p:sp>
+      <p:sp>
+        <p:nvSpPr>
+          <p:cNvPr id="111" name="Rectangle 110">
+            <a:extLst>
+              <a:ext uri="{FF2B5EF4-FFF2-40B4-BE49-F238E27FC236}">
+                <a16:creationId xmlns:a16="http://schemas.microsoft.com/office/drawing/2014/main" id="{4CE02832-5367-2C4A-9E8A-43F51303B70D}"/>
               </a:ext>
             </a:extLst>
           </p:cNvPr>
@@ -6020,19 +5856,18 @@
         </p:nvSpPr>
         <p:spPr>
           <a:xfrm>
-            <a:off x="9272285" y="5454178"/>
-            <a:ext cx="253435" cy="212902"/>
-          </a:xfrm>
-          <a:prstGeom prst="ellipse">
+            <a:off x="7857471" y="1948642"/>
+            <a:ext cx="1476131" cy="1362359"/>
+          </a:xfrm>
+          <a:prstGeom prst="rect">
             <a:avLst/>
           </a:prstGeom>
-          <a:solidFill>
-            <a:schemeClr val="tx1"/>
-          </a:solidFill>
-          <a:ln>
+          <a:noFill/>
+          <a:ln w="12700">
             <a:solidFill>
               <a:schemeClr val="tx1"/>
             </a:solidFill>
+            <a:prstDash val="dash"/>
           </a:ln>
         </p:spPr>
         <p:style>
@@ -6052,122 +5887,50 @@
           </a:fontRef>
         </p:style>
         <p:txBody>
-          <a:bodyPr lIns="0" tIns="0" rIns="0" bIns="0" rtlCol="0" anchor="ctr"/>
-          <a:lstStyle/>
-          <a:p>
-            <a:pPr algn="ctr"/>
-            <a:r>
-              <a:rPr lang="en-US" sz="800" dirty="0">
+          <a:bodyPr rot="0" spcFirstLastPara="0" vertOverflow="overflow" horzOverflow="overflow" vert="horz" wrap="square" lIns="91440" tIns="0" rIns="91440" bIns="45720" numCol="1" spcCol="0" rtlCol="0" fromWordArt="0" anchor="t" anchorCtr="0" forceAA="0" compatLnSpc="1">
+            <a:noAutofit/>
+          </a:bodyPr>
+          <a:lstStyle/>
+          <a:p>
+            <a:r>
+              <a:rPr lang="en-US" sz="1100" b="1" dirty="0">
+                <a:solidFill>
+                  <a:schemeClr val="tx1"/>
+                </a:solidFill>
                 <a:latin typeface="Arial" panose="020B0604020202020204" pitchFamily="34" charset="0"/>
                 <a:cs typeface="Arial" panose="020B0604020202020204" pitchFamily="34" charset="0"/>
               </a:rPr>
-              <a:t>4.2</a:t>
-            </a:r>
-          </a:p>
-        </p:txBody>
-      </p:sp>
-      <p:sp>
-        <p:nvSpPr>
-          <p:cNvPr id="81" name="TextBox 80">
-            <a:extLst>
-              <a:ext uri="{FF2B5EF4-FFF2-40B4-BE49-F238E27FC236}">
-                <a16:creationId xmlns:a16="http://schemas.microsoft.com/office/drawing/2014/main" id="{300F54D3-71CD-D848-9517-D3C8841E1523}"/>
-              </a:ext>
-            </a:extLst>
-          </p:cNvPr>
-          <p:cNvSpPr txBox="1"/>
+              <a:t>region-2</a:t>
+            </a:r>
+          </a:p>
+        </p:txBody>
+      </p:sp>
+      <p:sp>
+        <p:nvSpPr>
+          <p:cNvPr id="112" name="Rectangle 111">
+            <a:extLst>
+              <a:ext uri="{FF2B5EF4-FFF2-40B4-BE49-F238E27FC236}">
+                <a16:creationId xmlns:a16="http://schemas.microsoft.com/office/drawing/2014/main" id="{C6E79AC1-B9FA-3B4B-9AA0-AAA8A7100F73}"/>
+              </a:ext>
+            </a:extLst>
+          </p:cNvPr>
+          <p:cNvSpPr/>
           <p:nvPr/>
         </p:nvSpPr>
         <p:spPr>
           <a:xfrm>
-            <a:off x="2597349" y="5975893"/>
-            <a:ext cx="1407741" cy="430887"/>
+            <a:off x="7954867" y="2173554"/>
+            <a:ext cx="1378736" cy="1137447"/>
           </a:xfrm>
           <a:prstGeom prst="rect">
             <a:avLst/>
           </a:prstGeom>
           <a:noFill/>
-        </p:spPr>
-        <p:txBody>
-          <a:bodyPr wrap="square" rtlCol="0">
-            <a:spAutoFit/>
-          </a:bodyPr>
-          <a:lstStyle/>
-          <a:p>
-            <a:pPr algn="ctr"/>
-            <a:r>
-              <a:rPr lang="en-US" sz="1100" dirty="0">
-                <a:latin typeface="Arial" panose="020B0604020202020204" pitchFamily="34" charset="0"/>
-                <a:cs typeface="Arial" panose="020B0604020202020204" pitchFamily="34" charset="0"/>
-              </a:rPr>
-              <a:t>Conformance Pack Templates Bucket</a:t>
-            </a:r>
-          </a:p>
-        </p:txBody>
-      </p:sp>
-      <p:pic>
-        <p:nvPicPr>
-          <p:cNvPr id="82" name="Graphic 1">
-            <a:extLst>
-              <a:ext uri="{FF2B5EF4-FFF2-40B4-BE49-F238E27FC236}">
-                <a16:creationId xmlns:a16="http://schemas.microsoft.com/office/drawing/2014/main" id="{287527FC-728F-964F-AF81-0FE5CC18524E}"/>
-              </a:ext>
-            </a:extLst>
-          </p:cNvPr>
-          <p:cNvPicPr>
-            <a:picLocks noChangeAspect="1"/>
-          </p:cNvPicPr>
-          <p:nvPr/>
-        </p:nvPicPr>
-        <p:blipFill>
-          <a:blip r:embed="rId7">
-            <a:extLst>
-              <a:ext uri="{96DAC541-7B7A-43D3-8B79-37D633B846F1}">
-                <asvg:svgBlip xmlns:asvg="http://schemas.microsoft.com/office/drawing/2016/SVG/main" r:embed="rId8"/>
-              </a:ext>
-            </a:extLst>
-          </a:blip>
-          <a:stretch>
-            <a:fillRect/>
-          </a:stretch>
-        </p:blipFill>
-        <p:spPr>
-          <a:xfrm>
-            <a:off x="3030532" y="5428188"/>
-            <a:ext cx="555156" cy="555156"/>
-          </a:xfrm>
-          <a:prstGeom prst="rect">
-            <a:avLst/>
-          </a:prstGeom>
-        </p:spPr>
-      </p:pic>
-      <p:sp>
-        <p:nvSpPr>
-          <p:cNvPr id="238" name="Oval 237">
-            <a:extLst>
-              <a:ext uri="{FF2B5EF4-FFF2-40B4-BE49-F238E27FC236}">
-                <a16:creationId xmlns:a16="http://schemas.microsoft.com/office/drawing/2014/main" id="{7C47AE0D-855A-E344-B08E-CBC2DBF46AA7}"/>
-              </a:ext>
-            </a:extLst>
-          </p:cNvPr>
-          <p:cNvSpPr/>
-          <p:nvPr/>
-        </p:nvSpPr>
-        <p:spPr>
-          <a:xfrm>
-            <a:off x="3041747" y="5434395"/>
-            <a:ext cx="253435" cy="212902"/>
-          </a:xfrm>
-          <a:prstGeom prst="ellipse">
-            <a:avLst/>
-          </a:prstGeom>
-          <a:solidFill>
-            <a:schemeClr val="tx1"/>
-          </a:solidFill>
-          <a:ln>
+          <a:ln w="12700">
             <a:solidFill>
               <a:schemeClr val="tx1"/>
             </a:solidFill>
+            <a:prstDash val="dash"/>
           </a:ln>
         </p:spPr>
         <p:style>
@@ -6187,46 +5950,87 @@
           </a:fontRef>
         </p:style>
         <p:txBody>
-          <a:bodyPr lIns="0" tIns="0" rIns="0" bIns="0" rtlCol="0" anchor="ctr"/>
-          <a:lstStyle/>
-          <a:p>
-            <a:pPr algn="ctr"/>
-            <a:r>
-              <a:rPr lang="en-US" sz="800" dirty="0">
+          <a:bodyPr rot="0" spcFirstLastPara="0" vertOverflow="overflow" horzOverflow="overflow" vert="horz" wrap="square" lIns="91440" tIns="0" rIns="91440" bIns="45720" numCol="1" spcCol="0" rtlCol="0" fromWordArt="0" anchor="t" anchorCtr="0" forceAA="0" compatLnSpc="1">
+            <a:noAutofit/>
+          </a:bodyPr>
+          <a:lstStyle/>
+          <a:p>
+            <a:r>
+              <a:rPr lang="en-US" sz="1100" b="1" dirty="0">
+                <a:solidFill>
+                  <a:schemeClr val="tx1"/>
+                </a:solidFill>
                 <a:latin typeface="Arial" panose="020B0604020202020204" pitchFamily="34" charset="0"/>
                 <a:cs typeface="Arial" panose="020B0604020202020204" pitchFamily="34" charset="0"/>
               </a:rPr>
-              <a:t>3.2</a:t>
-            </a:r>
-          </a:p>
-        </p:txBody>
-      </p:sp>
-      <p:sp>
-        <p:nvSpPr>
-          <p:cNvPr id="83" name="Rectangle 82">
-            <a:extLst>
-              <a:ext uri="{FF2B5EF4-FFF2-40B4-BE49-F238E27FC236}">
-                <a16:creationId xmlns:a16="http://schemas.microsoft.com/office/drawing/2014/main" id="{6E1AFB9D-6B2C-1948-ABAD-C7917AE67825}"/>
-              </a:ext>
-            </a:extLst>
-          </p:cNvPr>
-          <p:cNvSpPr/>
+              <a:t>region-n</a:t>
+            </a:r>
+          </a:p>
+        </p:txBody>
+      </p:sp>
+      <p:pic>
+        <p:nvPicPr>
+          <p:cNvPr id="113" name="Graphic 112">
+            <a:extLst>
+              <a:ext uri="{FF2B5EF4-FFF2-40B4-BE49-F238E27FC236}">
+                <a16:creationId xmlns:a16="http://schemas.microsoft.com/office/drawing/2014/main" id="{EA7FAF72-E960-7142-B02D-CE8DA45416A5}"/>
+              </a:ext>
+            </a:extLst>
+          </p:cNvPr>
+          <p:cNvPicPr>
+            <a:picLocks noChangeAspect="1"/>
+          </p:cNvPicPr>
           <p:nvPr/>
-        </p:nvSpPr>
-        <p:spPr>
-          <a:xfrm>
-            <a:off x="7341773" y="4332170"/>
-            <a:ext cx="3548588" cy="2205243"/>
+        </p:nvPicPr>
+        <p:blipFill>
+          <a:blip r:embed="rId7">
+            <a:extLst>
+              <a:ext uri="{96DAC541-7B7A-43D3-8B79-37D633B846F1}">
+                <asvg:svgBlip xmlns:asvg="http://schemas.microsoft.com/office/drawing/2016/SVG/main" r:embed="rId8"/>
+              </a:ext>
+            </a:extLst>
+          </a:blip>
+          <a:stretch>
+            <a:fillRect/>
+          </a:stretch>
+        </p:blipFill>
+        <p:spPr>
+          <a:xfrm>
+            <a:off x="8410021" y="2379445"/>
+            <a:ext cx="457200" cy="457200"/>
           </a:xfrm>
           <a:prstGeom prst="rect">
             <a:avLst/>
           </a:prstGeom>
-          <a:noFill/>
-          <a:ln w="12700">
+        </p:spPr>
+      </p:pic>
+      <p:sp>
+        <p:nvSpPr>
+          <p:cNvPr id="114" name="Oval 113">
+            <a:extLst>
+              <a:ext uri="{FF2B5EF4-FFF2-40B4-BE49-F238E27FC236}">
+                <a16:creationId xmlns:a16="http://schemas.microsoft.com/office/drawing/2014/main" id="{E66213B0-7AF8-E546-8B36-4FF5F4D03EE6}"/>
+              </a:ext>
+            </a:extLst>
+          </p:cNvPr>
+          <p:cNvSpPr/>
+          <p:nvPr/>
+        </p:nvSpPr>
+        <p:spPr>
+          <a:xfrm>
+            <a:off x="8423482" y="2388321"/>
+            <a:ext cx="253435" cy="212902"/>
+          </a:xfrm>
+          <a:prstGeom prst="ellipse">
+            <a:avLst/>
+          </a:prstGeom>
+          <a:solidFill>
+            <a:schemeClr val="tx1"/>
+          </a:solidFill>
+          <a:ln>
             <a:solidFill>
               <a:schemeClr val="tx1"/>
             </a:solidFill>
-            <a:prstDash val="dash"/>
           </a:ln>
         </p:spPr>
         <p:style>
@@ -6246,126 +6050,46 @@
           </a:fontRef>
         </p:style>
         <p:txBody>
-          <a:bodyPr rot="0" spcFirstLastPara="0" vertOverflow="overflow" horzOverflow="overflow" vert="horz" wrap="square" lIns="91440" tIns="91440" rIns="91440" bIns="45720" numCol="1" spcCol="0" rtlCol="0" fromWordArt="0" anchor="t" anchorCtr="0" forceAA="0" compatLnSpc="1">
-            <a:prstTxWarp prst="textNoShape">
-              <a:avLst/>
-            </a:prstTxWarp>
-            <a:noAutofit/>
-          </a:bodyPr>
-          <a:lstStyle/>
-          <a:p>
-            <a:endParaRPr lang="en-US" sz="1400" dirty="0">
-              <a:solidFill>
-                <a:srgbClr val="5A6B86"/>
-              </a:solidFill>
-              <a:latin typeface="Arial" panose="020B0604020202020204" pitchFamily="34" charset="0"/>
-              <a:cs typeface="Arial" panose="020B0604020202020204" pitchFamily="34" charset="0"/>
-            </a:endParaRPr>
-          </a:p>
-        </p:txBody>
-      </p:sp>
-      <p:pic>
-        <p:nvPicPr>
-          <p:cNvPr id="87" name="Graphic 86">
-            <a:extLst>
-              <a:ext uri="{FF2B5EF4-FFF2-40B4-BE49-F238E27FC236}">
-                <a16:creationId xmlns:a16="http://schemas.microsoft.com/office/drawing/2014/main" id="{6E29F94C-C778-BD43-86EF-07E2133769AD}"/>
-              </a:ext>
-            </a:extLst>
-          </p:cNvPr>
-          <p:cNvPicPr>
-            <a:picLocks noChangeAspect="1"/>
-          </p:cNvPicPr>
+          <a:bodyPr lIns="0" tIns="0" rIns="0" bIns="0" rtlCol="0" anchor="ctr"/>
+          <a:lstStyle/>
+          <a:p>
+            <a:pPr algn="ctr"/>
+            <a:r>
+              <a:rPr lang="en-US" sz="800" dirty="0">
+                <a:latin typeface="Arial" panose="020B0604020202020204" pitchFamily="34" charset="0"/>
+                <a:cs typeface="Arial" panose="020B0604020202020204" pitchFamily="34" charset="0"/>
+              </a:rPr>
+              <a:t>2.3</a:t>
+            </a:r>
+          </a:p>
+        </p:txBody>
+      </p:sp>
+      <p:sp>
+        <p:nvSpPr>
+          <p:cNvPr id="72" name="Rectangle 71">
+            <a:extLst>
+              <a:ext uri="{FF2B5EF4-FFF2-40B4-BE49-F238E27FC236}">
+                <a16:creationId xmlns:a16="http://schemas.microsoft.com/office/drawing/2014/main" id="{0642B4F7-1DAC-2B48-9E25-3588CA955764}"/>
+              </a:ext>
+            </a:extLst>
+          </p:cNvPr>
+          <p:cNvSpPr/>
           <p:nvPr/>
-        </p:nvPicPr>
-        <p:blipFill>
-          <a:blip r:embed="rId11">
-            <a:extLst>
-              <a:ext uri="{96DAC541-7B7A-43D3-8B79-37D633B846F1}">
-                <asvg:svgBlip xmlns:asvg="http://schemas.microsoft.com/office/drawing/2016/SVG/main" r:embed="rId12"/>
-              </a:ext>
-            </a:extLst>
-          </a:blip>
-          <a:stretch>
-            <a:fillRect/>
-          </a:stretch>
-        </p:blipFill>
-        <p:spPr>
-          <a:xfrm>
-            <a:off x="7719441" y="5189178"/>
-            <a:ext cx="469900" cy="469900"/>
-          </a:xfrm>
-          <a:prstGeom prst="rect">
-            <a:avLst/>
-          </a:prstGeom>
-        </p:spPr>
-      </p:pic>
-      <p:sp>
-        <p:nvSpPr>
-          <p:cNvPr id="88" name="TextBox 87">
-            <a:extLst>
-              <a:ext uri="{FF2B5EF4-FFF2-40B4-BE49-F238E27FC236}">
-                <a16:creationId xmlns:a16="http://schemas.microsoft.com/office/drawing/2014/main" id="{2FE17A11-C202-8742-BD13-FB3BFD50B121}"/>
-              </a:ext>
-            </a:extLst>
-          </p:cNvPr>
-          <p:cNvSpPr txBox="1"/>
-          <p:nvPr/>
-        </p:nvSpPr>
-        <p:spPr>
-          <a:xfrm>
-            <a:off x="7417317" y="5561925"/>
-            <a:ext cx="1103001" cy="430887"/>
+        </p:nvSpPr>
+        <p:spPr>
+          <a:xfrm>
+            <a:off x="4406380" y="4389720"/>
+            <a:ext cx="1572566" cy="1587161"/>
           </a:xfrm>
           <a:prstGeom prst="rect">
             <a:avLst/>
           </a:prstGeom>
           <a:noFill/>
-        </p:spPr>
-        <p:txBody>
-          <a:bodyPr wrap="square" rtlCol="0">
-            <a:spAutoFit/>
-          </a:bodyPr>
-          <a:lstStyle/>
-          <a:p>
-            <a:pPr algn="ctr"/>
-            <a:r>
-              <a:rPr lang="en-US" sz="1100" dirty="0">
-                <a:latin typeface="Arial" panose="020B0604020202020204" pitchFamily="34" charset="0"/>
-                <a:cs typeface="Arial" panose="020B0604020202020204" pitchFamily="34" charset="0"/>
-              </a:rPr>
-              <a:t>Service-Linked Role</a:t>
-            </a:r>
-          </a:p>
-        </p:txBody>
-      </p:sp>
-      <p:sp>
-        <p:nvSpPr>
-          <p:cNvPr id="89" name="Oval 88">
-            <a:extLst>
-              <a:ext uri="{FF2B5EF4-FFF2-40B4-BE49-F238E27FC236}">
-                <a16:creationId xmlns:a16="http://schemas.microsoft.com/office/drawing/2014/main" id="{DB89E8C2-CCD3-6A4B-BAFC-951E4EDBF2B3}"/>
-              </a:ext>
-            </a:extLst>
-          </p:cNvPr>
-          <p:cNvSpPr/>
-          <p:nvPr/>
-        </p:nvSpPr>
-        <p:spPr>
-          <a:xfrm>
-            <a:off x="7850011" y="5031198"/>
-            <a:ext cx="253435" cy="212902"/>
-          </a:xfrm>
-          <a:prstGeom prst="ellipse">
-            <a:avLst/>
-          </a:prstGeom>
-          <a:solidFill>
-            <a:schemeClr val="tx1"/>
-          </a:solidFill>
-          <a:ln>
+          <a:ln w="12700">
             <a:solidFill>
               <a:schemeClr val="tx1"/>
             </a:solidFill>
+            <a:prstDash val="dash"/>
           </a:ln>
         </p:spPr>
         <p:style>
@@ -6385,62 +6109,69 @@
           </a:fontRef>
         </p:style>
         <p:txBody>
-          <a:bodyPr lIns="0" tIns="0" rIns="0" bIns="0" rtlCol="0" anchor="ctr"/>
-          <a:lstStyle/>
-          <a:p>
-            <a:pPr algn="ctr"/>
-            <a:r>
-              <a:rPr lang="en-US" sz="800" dirty="0">
+          <a:bodyPr rot="0" spcFirstLastPara="0" vertOverflow="overflow" horzOverflow="overflow" vert="horz" wrap="square" lIns="91440" tIns="0" rIns="91440" bIns="45720" numCol="1" spcCol="0" rtlCol="0" fromWordArt="0" anchor="t" anchorCtr="0" forceAA="0" compatLnSpc="1">
+            <a:noAutofit/>
+          </a:bodyPr>
+          <a:lstStyle/>
+          <a:p>
+            <a:r>
+              <a:rPr lang="en-US" sz="1100" b="1" dirty="0">
+                <a:solidFill>
+                  <a:schemeClr val="tx1"/>
+                </a:solidFill>
                 <a:latin typeface="Arial" panose="020B0604020202020204" pitchFamily="34" charset="0"/>
                 <a:cs typeface="Arial" panose="020B0604020202020204" pitchFamily="34" charset="0"/>
               </a:rPr>
-              <a:t>4.1</a:t>
-            </a:r>
-          </a:p>
-        </p:txBody>
-      </p:sp>
-      <p:pic>
-        <p:nvPicPr>
-          <p:cNvPr id="91" name="Graphic 90">
-            <a:extLst>
-              <a:ext uri="{FF2B5EF4-FFF2-40B4-BE49-F238E27FC236}">
-                <a16:creationId xmlns:a16="http://schemas.microsoft.com/office/drawing/2014/main" id="{A16EAD63-FDB6-7E41-AD57-6B778FA56DFD}"/>
-              </a:ext>
-            </a:extLst>
-          </p:cNvPr>
-          <p:cNvPicPr>
-            <a:picLocks noChangeAspect="1"/>
-          </p:cNvPicPr>
+              <a:t>region-1</a:t>
+            </a:r>
+          </a:p>
+        </p:txBody>
+      </p:sp>
+      <p:sp>
+        <p:nvSpPr>
+          <p:cNvPr id="80" name="TextBox 79">
+            <a:extLst>
+              <a:ext uri="{FF2B5EF4-FFF2-40B4-BE49-F238E27FC236}">
+                <a16:creationId xmlns:a16="http://schemas.microsoft.com/office/drawing/2014/main" id="{1689B4E2-B880-DC4C-8C4E-04E76A68533A}"/>
+              </a:ext>
+            </a:extLst>
+          </p:cNvPr>
+          <p:cNvSpPr txBox="1"/>
           <p:nvPr/>
-        </p:nvPicPr>
-        <p:blipFill>
-          <a:blip r:embed="rId13">
-            <a:extLst>
-              <a:ext uri="{96DAC541-7B7A-43D3-8B79-37D633B846F1}">
-                <asvg:svgBlip xmlns:asvg="http://schemas.microsoft.com/office/drawing/2016/SVG/main" r:embed="rId14"/>
-              </a:ext>
-            </a:extLst>
-          </a:blip>
-          <a:stretch>
-            <a:fillRect/>
-          </a:stretch>
-        </p:blipFill>
-        <p:spPr>
-          <a:xfrm>
-            <a:off x="4212159" y="1828952"/>
-            <a:ext cx="555156" cy="555156"/>
+        </p:nvSpPr>
+        <p:spPr>
+          <a:xfrm>
+            <a:off x="4575179" y="5545994"/>
+            <a:ext cx="1378735" cy="430887"/>
           </a:xfrm>
           <a:prstGeom prst="rect">
             <a:avLst/>
           </a:prstGeom>
-        </p:spPr>
-      </p:pic>
-      <p:sp>
-        <p:nvSpPr>
-          <p:cNvPr id="231" name="Oval 230">
-            <a:extLst>
-              <a:ext uri="{FF2B5EF4-FFF2-40B4-BE49-F238E27FC236}">
-                <a16:creationId xmlns:a16="http://schemas.microsoft.com/office/drawing/2014/main" id="{2D0C8646-87C5-B84D-B95C-97D1313A20DB}"/>
+          <a:noFill/>
+        </p:spPr>
+        <p:txBody>
+          <a:bodyPr wrap="square" rtlCol="0">
+            <a:spAutoFit/>
+          </a:bodyPr>
+          <a:lstStyle/>
+          <a:p>
+            <a:pPr algn="ctr"/>
+            <a:r>
+              <a:rPr lang="en-US" sz="1100" dirty="0">
+                <a:latin typeface="Arial" panose="020B0604020202020204" pitchFamily="34" charset="0"/>
+                <a:cs typeface="Arial" panose="020B0604020202020204" pitchFamily="34" charset="0"/>
+              </a:rPr>
+              <a:t>Organization Conformance Pack</a:t>
+            </a:r>
+          </a:p>
+        </p:txBody>
+      </p:sp>
+      <p:sp>
+        <p:nvSpPr>
+          <p:cNvPr id="84" name="Rectangle 83">
+            <a:extLst>
+              <a:ext uri="{FF2B5EF4-FFF2-40B4-BE49-F238E27FC236}">
+                <a16:creationId xmlns:a16="http://schemas.microsoft.com/office/drawing/2014/main" id="{85D904AB-3B5B-564B-9507-26339048032E}"/>
               </a:ext>
             </a:extLst>
           </p:cNvPr>
@@ -6449,19 +6180,18 @@
         </p:nvSpPr>
         <p:spPr>
           <a:xfrm>
-            <a:off x="4220251" y="1846529"/>
-            <a:ext cx="253435" cy="212902"/>
-          </a:xfrm>
-          <a:prstGeom prst="ellipse">
+            <a:off x="4514620" y="4622433"/>
+            <a:ext cx="1464326" cy="1354448"/>
+          </a:xfrm>
+          <a:prstGeom prst="rect">
             <a:avLst/>
           </a:prstGeom>
-          <a:solidFill>
-            <a:schemeClr val="tx1"/>
-          </a:solidFill>
-          <a:ln>
+          <a:noFill/>
+          <a:ln w="12700">
             <a:solidFill>
               <a:schemeClr val="tx1"/>
             </a:solidFill>
+            <a:prstDash val="dash"/>
           </a:ln>
         </p:spPr>
         <p:style>
@@ -6481,26 +6211,30 @@
           </a:fontRef>
         </p:style>
         <p:txBody>
-          <a:bodyPr lIns="0" tIns="0" rIns="0" bIns="0" rtlCol="0" anchor="ctr"/>
-          <a:lstStyle/>
-          <a:p>
-            <a:pPr algn="ctr"/>
-            <a:r>
-              <a:rPr lang="en-US" sz="800" dirty="0">
+          <a:bodyPr rot="0" spcFirstLastPara="0" vertOverflow="overflow" horzOverflow="overflow" vert="horz" wrap="square" lIns="91440" tIns="0" rIns="91440" bIns="45720" numCol="1" spcCol="0" rtlCol="0" fromWordArt="0" anchor="t" anchorCtr="0" forceAA="0" compatLnSpc="1">
+            <a:noAutofit/>
+          </a:bodyPr>
+          <a:lstStyle/>
+          <a:p>
+            <a:r>
+              <a:rPr lang="en-US" sz="1100" b="1" dirty="0">
+                <a:solidFill>
+                  <a:schemeClr val="tx1"/>
+                </a:solidFill>
                 <a:latin typeface="Arial" panose="020B0604020202020204" pitchFamily="34" charset="0"/>
                 <a:cs typeface="Arial" panose="020B0604020202020204" pitchFamily="34" charset="0"/>
               </a:rPr>
-              <a:t>1.2</a:t>
-            </a:r>
-          </a:p>
-        </p:txBody>
-      </p:sp>
-      <p:sp>
-        <p:nvSpPr>
-          <p:cNvPr id="98" name="Oval 97">
-            <a:extLst>
-              <a:ext uri="{FF2B5EF4-FFF2-40B4-BE49-F238E27FC236}">
-                <a16:creationId xmlns:a16="http://schemas.microsoft.com/office/drawing/2014/main" id="{BD9D0446-FB46-694D-974D-A264ED50F67D}"/>
+              <a:t>region-2</a:t>
+            </a:r>
+          </a:p>
+        </p:txBody>
+      </p:sp>
+      <p:sp>
+        <p:nvSpPr>
+          <p:cNvPr id="85" name="Rectangle 84">
+            <a:extLst>
+              <a:ext uri="{FF2B5EF4-FFF2-40B4-BE49-F238E27FC236}">
+                <a16:creationId xmlns:a16="http://schemas.microsoft.com/office/drawing/2014/main" id="{59D5EE50-A80D-D74F-9C69-9DD0512FC2AA}"/>
               </a:ext>
             </a:extLst>
           </p:cNvPr>
@@ -6509,19 +6243,18 @@
         </p:nvSpPr>
         <p:spPr>
           <a:xfrm>
-            <a:off x="6191231" y="1777318"/>
-            <a:ext cx="253435" cy="212902"/>
-          </a:xfrm>
-          <a:prstGeom prst="ellipse">
+            <a:off x="4600210" y="4850472"/>
+            <a:ext cx="1378736" cy="1126410"/>
+          </a:xfrm>
+          <a:prstGeom prst="rect">
             <a:avLst/>
           </a:prstGeom>
-          <a:solidFill>
-            <a:schemeClr val="tx1"/>
-          </a:solidFill>
-          <a:ln>
+          <a:noFill/>
+          <a:ln w="12700">
             <a:solidFill>
               <a:schemeClr val="tx1"/>
             </a:solidFill>
+            <a:prstDash val="dash"/>
           </a:ln>
         </p:spPr>
         <p:style>
@@ -6541,46 +6274,87 @@
           </a:fontRef>
         </p:style>
         <p:txBody>
-          <a:bodyPr lIns="0" tIns="0" rIns="0" bIns="0" rtlCol="0" anchor="ctr"/>
-          <a:lstStyle/>
-          <a:p>
-            <a:pPr algn="ctr"/>
-            <a:r>
-              <a:rPr lang="en-US" sz="800" dirty="0">
+          <a:bodyPr rot="0" spcFirstLastPara="0" vertOverflow="overflow" horzOverflow="overflow" vert="horz" wrap="square" lIns="91440" tIns="0" rIns="91440" bIns="45720" numCol="1" spcCol="0" rtlCol="0" fromWordArt="0" anchor="t" anchorCtr="0" forceAA="0" compatLnSpc="1">
+            <a:noAutofit/>
+          </a:bodyPr>
+          <a:lstStyle/>
+          <a:p>
+            <a:r>
+              <a:rPr lang="en-US" sz="1100" b="1" dirty="0">
+                <a:solidFill>
+                  <a:schemeClr val="tx1"/>
+                </a:solidFill>
                 <a:latin typeface="Arial" panose="020B0604020202020204" pitchFamily="34" charset="0"/>
                 <a:cs typeface="Arial" panose="020B0604020202020204" pitchFamily="34" charset="0"/>
               </a:rPr>
-              <a:t>2.1</a:t>
-            </a:r>
-          </a:p>
-        </p:txBody>
-      </p:sp>
-      <p:sp>
-        <p:nvSpPr>
-          <p:cNvPr id="109" name="Rectangle 108">
-            <a:extLst>
-              <a:ext uri="{FF2B5EF4-FFF2-40B4-BE49-F238E27FC236}">
-                <a16:creationId xmlns:a16="http://schemas.microsoft.com/office/drawing/2014/main" id="{2D4FBBB0-60BF-4F46-B4B5-29594C608810}"/>
-              </a:ext>
-            </a:extLst>
-          </p:cNvPr>
-          <p:cNvSpPr/>
+              <a:t>region-n</a:t>
+            </a:r>
+          </a:p>
+        </p:txBody>
+      </p:sp>
+      <p:pic>
+        <p:nvPicPr>
+          <p:cNvPr id="86" name="Graphic 85">
+            <a:extLst>
+              <a:ext uri="{FF2B5EF4-FFF2-40B4-BE49-F238E27FC236}">
+                <a16:creationId xmlns:a16="http://schemas.microsoft.com/office/drawing/2014/main" id="{E7A3CED0-7123-E840-A6B7-79AA06D10FCE}"/>
+              </a:ext>
+            </a:extLst>
+          </p:cNvPr>
+          <p:cNvPicPr>
+            <a:picLocks noChangeAspect="1"/>
+          </p:cNvPicPr>
           <p:nvPr/>
-        </p:nvSpPr>
-        <p:spPr>
-          <a:xfrm>
-            <a:off x="8513370" y="1488769"/>
-            <a:ext cx="1667406" cy="1950249"/>
+        </p:nvPicPr>
+        <p:blipFill>
+          <a:blip r:embed="rId7">
+            <a:extLst>
+              <a:ext uri="{96DAC541-7B7A-43D3-8B79-37D633B846F1}">
+                <asvg:svgBlip xmlns:asvg="http://schemas.microsoft.com/office/drawing/2016/SVG/main" r:embed="rId8"/>
+              </a:ext>
+            </a:extLst>
+          </a:blip>
+          <a:stretch>
+            <a:fillRect/>
+          </a:stretch>
+        </p:blipFill>
+        <p:spPr>
+          <a:xfrm>
+            <a:off x="5039987" y="5091580"/>
+            <a:ext cx="457200" cy="457200"/>
           </a:xfrm>
           <a:prstGeom prst="rect">
             <a:avLst/>
           </a:prstGeom>
-          <a:noFill/>
-          <a:ln w="12700">
+        </p:spPr>
+      </p:pic>
+      <p:sp>
+        <p:nvSpPr>
+          <p:cNvPr id="90" name="Oval 89">
+            <a:extLst>
+              <a:ext uri="{FF2B5EF4-FFF2-40B4-BE49-F238E27FC236}">
+                <a16:creationId xmlns:a16="http://schemas.microsoft.com/office/drawing/2014/main" id="{B8437765-9D5A-3445-95F7-E4A41CF5B156}"/>
+              </a:ext>
+            </a:extLst>
+          </p:cNvPr>
+          <p:cNvSpPr/>
+          <p:nvPr/>
+        </p:nvSpPr>
+        <p:spPr>
+          <a:xfrm>
+            <a:off x="5053448" y="5100456"/>
+            <a:ext cx="253435" cy="212902"/>
+          </a:xfrm>
+          <a:prstGeom prst="ellipse">
+            <a:avLst/>
+          </a:prstGeom>
+          <a:solidFill>
+            <a:schemeClr val="tx1"/>
+          </a:solidFill>
+          <a:ln>
             <a:solidFill>
               <a:schemeClr val="tx1"/>
             </a:solidFill>
-            <a:prstDash val="dash"/>
           </a:ln>
         </p:spPr>
         <p:style>
@@ -6600,69 +6374,127 @@
           </a:fontRef>
         </p:style>
         <p:txBody>
-          <a:bodyPr rot="0" spcFirstLastPara="0" vertOverflow="overflow" horzOverflow="overflow" vert="horz" wrap="square" lIns="91440" tIns="91440" rIns="91440" bIns="45720" numCol="1" spcCol="0" rtlCol="0" fromWordArt="0" anchor="t" anchorCtr="0" forceAA="0" compatLnSpc="1">
-            <a:noAutofit/>
-          </a:bodyPr>
-          <a:lstStyle/>
-          <a:p>
-            <a:r>
-              <a:rPr lang="en-US" sz="1100" dirty="0">
-                <a:solidFill>
-                  <a:schemeClr val="tx1"/>
-                </a:solidFill>
+          <a:bodyPr lIns="0" tIns="0" rIns="0" bIns="0" rtlCol="0" anchor="ctr"/>
+          <a:lstStyle/>
+          <a:p>
+            <a:pPr algn="ctr"/>
+            <a:r>
+              <a:rPr lang="en-US" sz="800" dirty="0">
                 <a:latin typeface="Arial" panose="020B0604020202020204" pitchFamily="34" charset="0"/>
                 <a:cs typeface="Arial" panose="020B0604020202020204" pitchFamily="34" charset="0"/>
               </a:rPr>
-              <a:t>region-1</a:t>
-            </a:r>
-          </a:p>
-        </p:txBody>
-      </p:sp>
-      <p:sp>
-        <p:nvSpPr>
-          <p:cNvPr id="110" name="TextBox 109">
-            <a:extLst>
-              <a:ext uri="{FF2B5EF4-FFF2-40B4-BE49-F238E27FC236}">
-                <a16:creationId xmlns:a16="http://schemas.microsoft.com/office/drawing/2014/main" id="{FDB79633-6068-F24E-9ABF-3549869255B1}"/>
-              </a:ext>
-            </a:extLst>
-          </p:cNvPr>
-          <p:cNvSpPr txBox="1"/>
+              <a:t>3.2</a:t>
+            </a:r>
+          </a:p>
+        </p:txBody>
+      </p:sp>
+      <p:cxnSp>
+        <p:nvCxnSpPr>
+          <p:cNvPr id="93" name="Straight Arrow Connector 92">
+            <a:extLst>
+              <a:ext uri="{FF2B5EF4-FFF2-40B4-BE49-F238E27FC236}">
+                <a16:creationId xmlns:a16="http://schemas.microsoft.com/office/drawing/2014/main" id="{414D5EED-E31C-BC41-9DA8-C260F9B78FD9}"/>
+              </a:ext>
+            </a:extLst>
+          </p:cNvPr>
+          <p:cNvCxnSpPr>
+            <a:cxnSpLocks/>
+          </p:cNvCxnSpPr>
           <p:nvPr/>
-        </p:nvSpPr>
-        <p:spPr>
-          <a:xfrm>
-            <a:off x="8795748" y="2932234"/>
-            <a:ext cx="1378735" cy="430887"/>
+        </p:nvCxnSpPr>
+        <p:spPr>
+          <a:xfrm flipH="1">
+            <a:off x="7402851" y="2615494"/>
+            <a:ext cx="907910" cy="0"/>
+          </a:xfrm>
+          <a:prstGeom prst="straightConnector1">
+            <a:avLst/>
+          </a:prstGeom>
+          <a:ln>
+            <a:tailEnd type="triangle"/>
+          </a:ln>
+        </p:spPr>
+        <p:style>
+          <a:lnRef idx="1">
+            <a:schemeClr val="dk1"/>
+          </a:lnRef>
+          <a:fillRef idx="0">
+            <a:schemeClr val="dk1"/>
+          </a:fillRef>
+          <a:effectRef idx="0">
+            <a:schemeClr val="dk1"/>
+          </a:effectRef>
+          <a:fontRef idx="minor">
+            <a:schemeClr val="tx1"/>
+          </a:fontRef>
+        </p:style>
+      </p:cxnSp>
+      <p:pic>
+        <p:nvPicPr>
+          <p:cNvPr id="56" name="Graphic 14">
+            <a:extLst>
+              <a:ext uri="{FF2B5EF4-FFF2-40B4-BE49-F238E27FC236}">
+                <a16:creationId xmlns:a16="http://schemas.microsoft.com/office/drawing/2014/main" id="{7ED57E96-A883-8E40-B16F-A9D122EC30AA}"/>
+              </a:ext>
+            </a:extLst>
+          </p:cNvPr>
+          <p:cNvPicPr>
+            <a:picLocks noChangeAspect="1" noChangeArrowheads="1"/>
+          </p:cNvPicPr>
+          <p:nvPr/>
+        </p:nvPicPr>
+        <p:blipFill>
+          <a:blip r:embed="rId13">
+            <a:extLst>
+              <a:ext uri="{28A0092B-C50C-407E-A947-70E740481C1C}">
+                <a14:useLocalDpi xmlns:a14="http://schemas.microsoft.com/office/drawing/2010/main" val="0"/>
+              </a:ext>
+            </a:extLst>
+          </a:blip>
+          <a:srcRect/>
+          <a:stretch>
+            <a:fillRect/>
+          </a:stretch>
+        </p:blipFill>
+        <p:spPr bwMode="auto">
+          <a:xfrm>
+            <a:off x="6867138" y="2371748"/>
+            <a:ext cx="457200" cy="457200"/>
           </a:xfrm>
           <a:prstGeom prst="rect">
             <a:avLst/>
           </a:prstGeom>
           <a:noFill/>
-        </p:spPr>
-        <p:txBody>
-          <a:bodyPr wrap="square" rtlCol="0">
-            <a:spAutoFit/>
-          </a:bodyPr>
-          <a:lstStyle/>
-          <a:p>
-            <a:pPr algn="ctr"/>
-            <a:r>
-              <a:rPr lang="en-US" sz="1100" dirty="0">
-                <a:latin typeface="Arial" panose="020B0604020202020204" pitchFamily="34" charset="0"/>
-                <a:cs typeface="Arial" panose="020B0604020202020204" pitchFamily="34" charset="0"/>
-              </a:rPr>
-              <a:t>Organization Conformance Pack</a:t>
-            </a:r>
-          </a:p>
-        </p:txBody>
-      </p:sp>
-      <p:sp>
-        <p:nvSpPr>
-          <p:cNvPr id="111" name="Rectangle 110">
-            <a:extLst>
-              <a:ext uri="{FF2B5EF4-FFF2-40B4-BE49-F238E27FC236}">
-                <a16:creationId xmlns:a16="http://schemas.microsoft.com/office/drawing/2014/main" id="{4CE02832-5367-2C4A-9E8A-43F51303B70D}"/>
+          <a:ln>
+            <a:noFill/>
+          </a:ln>
+          <a:extLst>
+            <a:ext uri="{909E8E84-426E-40DD-AFC4-6F175D3DCCD1}">
+              <a14:hiddenFill xmlns:a14="http://schemas.microsoft.com/office/drawing/2010/main">
+                <a:solidFill>
+                  <a:srgbClr val="FFFFFF"/>
+                </a:solidFill>
+              </a14:hiddenFill>
+            </a:ext>
+            <a:ext uri="{91240B29-F687-4F45-9708-019B960494DF}">
+              <a14:hiddenLine xmlns:a14="http://schemas.microsoft.com/office/drawing/2010/main" w="9525">
+                <a:solidFill>
+                  <a:srgbClr val="000000"/>
+                </a:solidFill>
+                <a:miter lim="800000"/>
+                <a:headEnd/>
+                <a:tailEnd/>
+              </a14:hiddenLine>
+            </a:ext>
+          </a:extLst>
+        </p:spPr>
+      </p:pic>
+      <p:sp>
+        <p:nvSpPr>
+          <p:cNvPr id="65" name="Oval 64">
+            <a:extLst>
+              <a:ext uri="{FF2B5EF4-FFF2-40B4-BE49-F238E27FC236}">
+                <a16:creationId xmlns:a16="http://schemas.microsoft.com/office/drawing/2014/main" id="{ACEBD54F-E18F-2E40-BED4-7030ACC7F2B3}"/>
               </a:ext>
             </a:extLst>
           </p:cNvPr>
@@ -6671,18 +6503,19 @@
         </p:nvSpPr>
         <p:spPr>
           <a:xfrm>
-            <a:off x="8665770" y="1794438"/>
-            <a:ext cx="1515006" cy="1644580"/>
-          </a:xfrm>
-          <a:prstGeom prst="rect">
+            <a:off x="6961109" y="2320008"/>
+            <a:ext cx="253435" cy="212902"/>
+          </a:xfrm>
+          <a:prstGeom prst="ellipse">
             <a:avLst/>
           </a:prstGeom>
-          <a:noFill/>
-          <a:ln w="12700">
+          <a:solidFill>
+            <a:schemeClr val="tx1"/>
+          </a:solidFill>
+          <a:ln>
             <a:solidFill>
               <a:schemeClr val="tx1"/>
             </a:solidFill>
-            <a:prstDash val="dash"/>
           </a:ln>
         </p:spPr>
         <p:style>
@@ -6702,169 +6535,6 @@
           </a:fontRef>
         </p:style>
         <p:txBody>
-          <a:bodyPr rot="0" spcFirstLastPara="0" vertOverflow="overflow" horzOverflow="overflow" vert="horz" wrap="square" lIns="91440" tIns="91440" rIns="91440" bIns="45720" numCol="1" spcCol="0" rtlCol="0" fromWordArt="0" anchor="t" anchorCtr="0" forceAA="0" compatLnSpc="1">
-            <a:noAutofit/>
-          </a:bodyPr>
-          <a:lstStyle/>
-          <a:p>
-            <a:r>
-              <a:rPr lang="en-US" sz="1100" dirty="0">
-                <a:solidFill>
-                  <a:schemeClr val="tx1"/>
-                </a:solidFill>
-                <a:latin typeface="Arial" panose="020B0604020202020204" pitchFamily="34" charset="0"/>
-                <a:cs typeface="Arial" panose="020B0604020202020204" pitchFamily="34" charset="0"/>
-              </a:rPr>
-              <a:t>region-2</a:t>
-            </a:r>
-          </a:p>
-        </p:txBody>
-      </p:sp>
-      <p:sp>
-        <p:nvSpPr>
-          <p:cNvPr id="112" name="Rectangle 111">
-            <a:extLst>
-              <a:ext uri="{FF2B5EF4-FFF2-40B4-BE49-F238E27FC236}">
-                <a16:creationId xmlns:a16="http://schemas.microsoft.com/office/drawing/2014/main" id="{C6E79AC1-B9FA-3B4B-9AA0-AAA8A7100F73}"/>
-              </a:ext>
-            </a:extLst>
-          </p:cNvPr>
-          <p:cNvSpPr/>
-          <p:nvPr/>
-        </p:nvSpPr>
-        <p:spPr>
-          <a:xfrm>
-            <a:off x="8802040" y="2108487"/>
-            <a:ext cx="1378736" cy="1330531"/>
-          </a:xfrm>
-          <a:prstGeom prst="rect">
-            <a:avLst/>
-          </a:prstGeom>
-          <a:noFill/>
-          <a:ln w="12700">
-            <a:solidFill>
-              <a:schemeClr val="tx1"/>
-            </a:solidFill>
-            <a:prstDash val="dash"/>
-          </a:ln>
-        </p:spPr>
-        <p:style>
-          <a:lnRef idx="2">
-            <a:schemeClr val="accent1">
-              <a:shade val="50000"/>
-            </a:schemeClr>
-          </a:lnRef>
-          <a:fillRef idx="1">
-            <a:schemeClr val="accent1"/>
-          </a:fillRef>
-          <a:effectRef idx="0">
-            <a:schemeClr val="accent1"/>
-          </a:effectRef>
-          <a:fontRef idx="minor">
-            <a:schemeClr val="lt1"/>
-          </a:fontRef>
-        </p:style>
-        <p:txBody>
-          <a:bodyPr rot="0" spcFirstLastPara="0" vertOverflow="overflow" horzOverflow="overflow" vert="horz" wrap="square" lIns="91440" tIns="91440" rIns="91440" bIns="45720" numCol="1" spcCol="0" rtlCol="0" fromWordArt="0" anchor="t" anchorCtr="0" forceAA="0" compatLnSpc="1">
-            <a:noAutofit/>
-          </a:bodyPr>
-          <a:lstStyle/>
-          <a:p>
-            <a:r>
-              <a:rPr lang="en-US" sz="1100" dirty="0">
-                <a:solidFill>
-                  <a:schemeClr val="tx1"/>
-                </a:solidFill>
-                <a:latin typeface="Arial" panose="020B0604020202020204" pitchFamily="34" charset="0"/>
-                <a:cs typeface="Arial" panose="020B0604020202020204" pitchFamily="34" charset="0"/>
-              </a:rPr>
-              <a:t>region-n</a:t>
-            </a:r>
-          </a:p>
-        </p:txBody>
-      </p:sp>
-      <p:pic>
-        <p:nvPicPr>
-          <p:cNvPr id="113" name="Graphic 112">
-            <a:extLst>
-              <a:ext uri="{FF2B5EF4-FFF2-40B4-BE49-F238E27FC236}">
-                <a16:creationId xmlns:a16="http://schemas.microsoft.com/office/drawing/2014/main" id="{EA7FAF72-E960-7142-B02D-CE8DA45416A5}"/>
-              </a:ext>
-            </a:extLst>
-          </p:cNvPr>
-          <p:cNvPicPr>
-            <a:picLocks noChangeAspect="1"/>
-          </p:cNvPicPr>
-          <p:nvPr/>
-        </p:nvPicPr>
-        <p:blipFill>
-          <a:blip r:embed="rId9">
-            <a:extLst>
-              <a:ext uri="{96DAC541-7B7A-43D3-8B79-37D633B846F1}">
-                <asvg:svgBlip xmlns:asvg="http://schemas.microsoft.com/office/drawing/2016/SVG/main" r:embed="rId10"/>
-              </a:ext>
-            </a:extLst>
-          </a:blip>
-          <a:stretch>
-            <a:fillRect/>
-          </a:stretch>
-        </p:blipFill>
-        <p:spPr>
-          <a:xfrm>
-            <a:off x="9200079" y="2435176"/>
-            <a:ext cx="564304" cy="564304"/>
-          </a:xfrm>
-          <a:prstGeom prst="rect">
-            <a:avLst/>
-          </a:prstGeom>
-        </p:spPr>
-      </p:pic>
-      <p:sp>
-        <p:nvSpPr>
-          <p:cNvPr id="114" name="Oval 113">
-            <a:extLst>
-              <a:ext uri="{FF2B5EF4-FFF2-40B4-BE49-F238E27FC236}">
-                <a16:creationId xmlns:a16="http://schemas.microsoft.com/office/drawing/2014/main" id="{E66213B0-7AF8-E546-8B36-4FF5F4D03EE6}"/>
-              </a:ext>
-            </a:extLst>
-          </p:cNvPr>
-          <p:cNvSpPr/>
-          <p:nvPr/>
-        </p:nvSpPr>
-        <p:spPr>
-          <a:xfrm>
-            <a:off x="9213540" y="2444052"/>
-            <a:ext cx="253435" cy="212902"/>
-          </a:xfrm>
-          <a:prstGeom prst="ellipse">
-            <a:avLst/>
-          </a:prstGeom>
-          <a:solidFill>
-            <a:schemeClr val="tx1"/>
-          </a:solidFill>
-          <a:ln>
-            <a:solidFill>
-              <a:schemeClr val="tx1"/>
-            </a:solidFill>
-          </a:ln>
-        </p:spPr>
-        <p:style>
-          <a:lnRef idx="2">
-            <a:schemeClr val="accent1">
-              <a:shade val="50000"/>
-            </a:schemeClr>
-          </a:lnRef>
-          <a:fillRef idx="1">
-            <a:schemeClr val="accent1"/>
-          </a:fillRef>
-          <a:effectRef idx="0">
-            <a:schemeClr val="accent1"/>
-          </a:effectRef>
-          <a:fontRef idx="minor">
-            <a:schemeClr val="lt1"/>
-          </a:fontRef>
-        </p:style>
-        <p:txBody>
           <a:bodyPr lIns="0" tIns="0" rIns="0" bIns="0" rtlCol="0" anchor="ctr"/>
           <a:lstStyle/>
           <a:p>
@@ -6874,56 +6544,11 @@
                 <a:latin typeface="Arial" panose="020B0604020202020204" pitchFamily="34" charset="0"/>
                 <a:cs typeface="Arial" panose="020B0604020202020204" pitchFamily="34" charset="0"/>
               </a:rPr>
-              <a:t>2.3</a:t>
-            </a:r>
-          </a:p>
-        </p:txBody>
-      </p:sp>
-      <p:cxnSp>
-        <p:nvCxnSpPr>
-          <p:cNvPr id="115" name="Straight Arrow Connector 114">
-            <a:extLst>
-              <a:ext uri="{FF2B5EF4-FFF2-40B4-BE49-F238E27FC236}">
-                <a16:creationId xmlns:a16="http://schemas.microsoft.com/office/drawing/2014/main" id="{06C25442-0B72-2645-A2E8-5E0FA5D6DD5D}"/>
-              </a:ext>
-            </a:extLst>
-          </p:cNvPr>
-          <p:cNvCxnSpPr>
-            <a:cxnSpLocks/>
-          </p:cNvCxnSpPr>
-          <p:nvPr/>
-        </p:nvCxnSpPr>
-        <p:spPr>
-          <a:xfrm>
-            <a:off x="8259935" y="2778232"/>
-            <a:ext cx="765929" cy="0"/>
-          </a:xfrm>
-          <a:prstGeom prst="straightConnector1">
-            <a:avLst/>
-          </a:prstGeom>
-          <a:ln w="12700">
-            <a:solidFill>
-              <a:srgbClr val="545B64"/>
-            </a:solidFill>
-            <a:headEnd type="arrow" w="med" len="sm"/>
-            <a:tailEnd type="none" w="med" len="sm"/>
-          </a:ln>
-        </p:spPr>
-        <p:style>
-          <a:lnRef idx="1">
-            <a:schemeClr val="accent1"/>
-          </a:lnRef>
-          <a:fillRef idx="0">
-            <a:schemeClr val="accent1"/>
-          </a:fillRef>
-          <a:effectRef idx="0">
-            <a:schemeClr val="accent1"/>
-          </a:effectRef>
-          <a:fontRef idx="minor">
-            <a:schemeClr val="tx1"/>
-          </a:fontRef>
-        </p:style>
-      </p:cxnSp>
+              <a:t>2.2</a:t>
+            </a:r>
+          </a:p>
+        </p:txBody>
+      </p:sp>
     </p:spTree>
     <p:extLst>
       <p:ext uri="{BB962C8B-B14F-4D97-AF65-F5344CB8AC3E}">
